--- a/Report/小組簡報整合版.pptx
+++ b/Report/小組簡報整合版.pptx
@@ -6,20 +6,22 @@
   </p:sldMasterIdLst>
   <p:sldIdLst>
     <p:sldId id="275" r:id="rId2"/>
-    <p:sldId id="276" r:id="rId3"/>
-    <p:sldId id="277" r:id="rId4"/>
-    <p:sldId id="278" r:id="rId5"/>
-    <p:sldId id="279" r:id="rId6"/>
-    <p:sldId id="259" r:id="rId7"/>
-    <p:sldId id="260" r:id="rId8"/>
-    <p:sldId id="272" r:id="rId9"/>
-    <p:sldId id="262" r:id="rId10"/>
-    <p:sldId id="263" r:id="rId11"/>
-    <p:sldId id="265" r:id="rId12"/>
-    <p:sldId id="273" r:id="rId13"/>
-    <p:sldId id="266" r:id="rId14"/>
-    <p:sldId id="268" r:id="rId15"/>
-    <p:sldId id="280" r:id="rId16"/>
+    <p:sldId id="281" r:id="rId3"/>
+    <p:sldId id="276" r:id="rId4"/>
+    <p:sldId id="277" r:id="rId5"/>
+    <p:sldId id="278" r:id="rId6"/>
+    <p:sldId id="279" r:id="rId7"/>
+    <p:sldId id="259" r:id="rId8"/>
+    <p:sldId id="260" r:id="rId9"/>
+    <p:sldId id="272" r:id="rId10"/>
+    <p:sldId id="262" r:id="rId11"/>
+    <p:sldId id="263" r:id="rId12"/>
+    <p:sldId id="265" r:id="rId13"/>
+    <p:sldId id="273" r:id="rId14"/>
+    <p:sldId id="266" r:id="rId15"/>
+    <p:sldId id="268" r:id="rId16"/>
+    <p:sldId id="282" r:id="rId17"/>
+    <p:sldId id="280" r:id="rId18"/>
   </p:sldIdLst>
   <p:sldSz cx="9144000" cy="6858000" type="screen4x3"/>
   <p:notesSz cx="6858000" cy="9144000"/>
@@ -295,7 +297,7 @@
             <a:fld id="{5BBEAD13-0566-4C6C-97E7-55F17F24B09F}" type="datetimeFigureOut">
               <a:rPr lang="zh-TW" altLang="en-US" smtClean="0"/>
               <a:pPr/>
-              <a:t>2014/12/24</a:t>
+              <a:t>2014/12/25</a:t>
             </a:fld>
             <a:endParaRPr lang="zh-TW" altLang="en-US"/>
           </a:p>
@@ -462,7 +464,7 @@
             <a:fld id="{5BBEAD13-0566-4C6C-97E7-55F17F24B09F}" type="datetimeFigureOut">
               <a:rPr lang="zh-TW" altLang="en-US" smtClean="0"/>
               <a:pPr/>
-              <a:t>2014/12/24</a:t>
+              <a:t>2014/12/25</a:t>
             </a:fld>
             <a:endParaRPr lang="zh-TW" altLang="en-US"/>
           </a:p>
@@ -639,7 +641,7 @@
             <a:fld id="{5BBEAD13-0566-4C6C-97E7-55F17F24B09F}" type="datetimeFigureOut">
               <a:rPr lang="zh-TW" altLang="en-US" smtClean="0"/>
               <a:pPr/>
-              <a:t>2014/12/24</a:t>
+              <a:t>2014/12/25</a:t>
             </a:fld>
             <a:endParaRPr lang="zh-TW" altLang="en-US"/>
           </a:p>
@@ -806,7 +808,7 @@
             <a:fld id="{5BBEAD13-0566-4C6C-97E7-55F17F24B09F}" type="datetimeFigureOut">
               <a:rPr lang="zh-TW" altLang="en-US" smtClean="0"/>
               <a:pPr/>
-              <a:t>2014/12/24</a:t>
+              <a:t>2014/12/25</a:t>
             </a:fld>
             <a:endParaRPr lang="zh-TW" altLang="en-US"/>
           </a:p>
@@ -1050,7 +1052,7 @@
             <a:fld id="{5BBEAD13-0566-4C6C-97E7-55F17F24B09F}" type="datetimeFigureOut">
               <a:rPr lang="zh-TW" altLang="en-US" smtClean="0"/>
               <a:pPr/>
-              <a:t>2014/12/24</a:t>
+              <a:t>2014/12/25</a:t>
             </a:fld>
             <a:endParaRPr lang="zh-TW" altLang="en-US"/>
           </a:p>
@@ -1316,7 +1318,7 @@
             <a:fld id="{5BBEAD13-0566-4C6C-97E7-55F17F24B09F}" type="datetimeFigureOut">
               <a:rPr lang="zh-TW" altLang="en-US" smtClean="0"/>
               <a:pPr/>
-              <a:t>2014/12/24</a:t>
+              <a:t>2014/12/25</a:t>
             </a:fld>
             <a:endParaRPr lang="zh-TW" altLang="en-US"/>
           </a:p>
@@ -1696,7 +1698,7 @@
             <a:fld id="{5BBEAD13-0566-4C6C-97E7-55F17F24B09F}" type="datetimeFigureOut">
               <a:rPr lang="zh-TW" altLang="en-US" smtClean="0"/>
               <a:pPr/>
-              <a:t>2014/12/24</a:t>
+              <a:t>2014/12/25</a:t>
             </a:fld>
             <a:endParaRPr lang="zh-TW" altLang="en-US"/>
           </a:p>
@@ -1848,7 +1850,7 @@
             <a:fld id="{5BBEAD13-0566-4C6C-97E7-55F17F24B09F}" type="datetimeFigureOut">
               <a:rPr lang="zh-TW" altLang="en-US" smtClean="0"/>
               <a:pPr/>
-              <a:t>2014/12/24</a:t>
+              <a:t>2014/12/25</a:t>
             </a:fld>
             <a:endParaRPr lang="zh-TW" altLang="en-US"/>
           </a:p>
@@ -1940,7 +1942,7 @@
             <a:fld id="{5BBEAD13-0566-4C6C-97E7-55F17F24B09F}" type="datetimeFigureOut">
               <a:rPr lang="zh-TW" altLang="en-US" smtClean="0"/>
               <a:pPr/>
-              <a:t>2014/12/24</a:t>
+              <a:t>2014/12/25</a:t>
             </a:fld>
             <a:endParaRPr lang="zh-TW" altLang="en-US"/>
           </a:p>
@@ -2203,7 +2205,7 @@
             <a:fld id="{5BBEAD13-0566-4C6C-97E7-55F17F24B09F}" type="datetimeFigureOut">
               <a:rPr lang="zh-TW" altLang="en-US" smtClean="0"/>
               <a:pPr/>
-              <a:t>2014/12/24</a:t>
+              <a:t>2014/12/25</a:t>
             </a:fld>
             <a:endParaRPr lang="zh-TW" altLang="en-US"/>
           </a:p>
@@ -2493,7 +2495,7 @@
             <a:fld id="{5BBEAD13-0566-4C6C-97E7-55F17F24B09F}" type="datetimeFigureOut">
               <a:rPr lang="zh-TW" altLang="en-US" smtClean="0"/>
               <a:pPr/>
-              <a:t>2014/12/24</a:t>
+              <a:t>2014/12/25</a:t>
             </a:fld>
             <a:endParaRPr lang="zh-TW" altLang="en-US"/>
           </a:p>
@@ -3266,7 +3268,7 @@
             <a:fld id="{5BBEAD13-0566-4C6C-97E7-55F17F24B09F}" type="datetimeFigureOut">
               <a:rPr lang="zh-TW" altLang="en-US" smtClean="0"/>
               <a:pPr/>
-              <a:t>2014/12/24</a:t>
+              <a:t>2014/12/25</a:t>
             </a:fld>
             <a:endParaRPr lang="zh-TW" altLang="en-US"/>
           </a:p>
@@ -3895,7 +3897,7 @@
         </p:nvSpPr>
         <p:spPr>
           <a:xfrm>
-            <a:off x="827584" y="2060848"/>
+            <a:off x="1043608" y="2060848"/>
             <a:ext cx="6984776" cy="3450696"/>
           </a:xfrm>
           <a:prstGeom prst="rect">
@@ -4395,38 +4397,49 @@
       </p:sp>
       <p:pic>
         <p:nvPicPr>
-          <p:cNvPr id="6" name="圖片 5"/>
+          <p:cNvPr id="1026" name="Picture 2" descr="C:\java\GIT\bk\logo.png"/>
           <p:cNvPicPr>
-            <a:picLocks noChangeAspect="1"/>
+            <a:picLocks noChangeAspect="1" noChangeArrowheads="1"/>
           </p:cNvPicPr>
           <p:nvPr/>
         </p:nvPicPr>
         <p:blipFill>
-          <a:blip r:embed="rId2" cstate="print">
+          <a:blip r:embed="rId2">
             <a:extLst>
               <a:ext uri="{28A0092B-C50C-407E-A947-70E740481C1C}">
-                <a14:useLocalDpi xmlns="" xmlns:a14="http://schemas.microsoft.com/office/drawing/2010/main" val="0"/>
+                <a14:useLocalDpi xmlns:a14="http://schemas.microsoft.com/office/drawing/2010/main" val="0"/>
               </a:ext>
             </a:extLst>
           </a:blip>
+          <a:srcRect/>
           <a:stretch>
             <a:fillRect/>
           </a:stretch>
         </p:blipFill>
-        <p:spPr>
+        <p:spPr bwMode="auto">
           <a:xfrm>
-            <a:off x="1907704" y="548680"/>
-            <a:ext cx="5077968" cy="950976"/>
+            <a:off x="1907704" y="476672"/>
+            <a:ext cx="5300663" cy="1300163"/>
           </a:xfrm>
           <a:prstGeom prst="rect">
             <a:avLst/>
           </a:prstGeom>
+          <a:noFill/>
+          <a:extLst>
+            <a:ext uri="{909E8E84-426E-40DD-AFC4-6F175D3DCCD1}">
+              <a14:hiddenFill xmlns:a14="http://schemas.microsoft.com/office/drawing/2010/main">
+                <a:solidFill>
+                  <a:srgbClr val="FFFFFF"/>
+                </a:solidFill>
+              </a14:hiddenFill>
+            </a:ext>
+          </a:extLst>
         </p:spPr>
       </p:pic>
     </p:spTree>
     <p:extLst>
       <p:ext uri="{BB962C8B-B14F-4D97-AF65-F5344CB8AC3E}">
-        <p14:creationId xmlns="" xmlns:p14="http://schemas.microsoft.com/office/powerpoint/2010/main" val="3624330042"/>
+        <p14:creationId xmlns:p14="http://schemas.microsoft.com/office/powerpoint/2010/main" val="3624330042"/>
       </p:ext>
     </p:extLst>
   </p:cSld>
@@ -4455,6 +4468,264 @@
       </p:grpSpPr>
       <p:pic>
         <p:nvPicPr>
+          <p:cNvPr id="4" name="Picture 3"/>
+          <p:cNvPicPr>
+            <a:picLocks noChangeAspect="1" noChangeArrowheads="1"/>
+          </p:cNvPicPr>
+          <p:nvPr/>
+        </p:nvPicPr>
+        <p:blipFill>
+          <a:blip r:embed="rId2" cstate="print">
+            <a:extLst>
+              <a:ext uri="{28A0092B-C50C-407E-A947-70E740481C1C}">
+                <a14:useLocalDpi xmlns:a14="http://schemas.microsoft.com/office/drawing/2010/main" val="0"/>
+              </a:ext>
+            </a:extLst>
+          </a:blip>
+          <a:srcRect/>
+          <a:stretch>
+            <a:fillRect/>
+          </a:stretch>
+        </p:blipFill>
+        <p:spPr bwMode="auto">
+          <a:xfrm>
+            <a:off x="161460" y="836712"/>
+            <a:ext cx="8810625" cy="5114925"/>
+          </a:xfrm>
+          <a:prstGeom prst="rect">
+            <a:avLst/>
+          </a:prstGeom>
+          <a:noFill/>
+          <a:ln>
+            <a:noFill/>
+          </a:ln>
+          <a:extLst>
+            <a:ext uri="{909E8E84-426E-40DD-AFC4-6F175D3DCCD1}">
+              <a14:hiddenFill xmlns:a14="http://schemas.microsoft.com/office/drawing/2010/main">
+                <a:solidFill>
+                  <a:schemeClr val="accent1"/>
+                </a:solidFill>
+              </a14:hiddenFill>
+            </a:ext>
+            <a:ext uri="{91240B29-F687-4F45-9708-019B960494DF}">
+              <a14:hiddenLine xmlns:a14="http://schemas.microsoft.com/office/drawing/2010/main" w="9525">
+                <a:solidFill>
+                  <a:schemeClr val="tx1"/>
+                </a:solidFill>
+                <a:miter lim="800000"/>
+                <a:headEnd/>
+                <a:tailEnd/>
+              </a14:hiddenLine>
+            </a:ext>
+          </a:extLst>
+        </p:spPr>
+      </p:pic>
+      <p:sp>
+        <p:nvSpPr>
+          <p:cNvPr id="5" name="圓角矩形圖說文字 4"/>
+          <p:cNvSpPr/>
+          <p:nvPr/>
+        </p:nvSpPr>
+        <p:spPr>
+          <a:xfrm>
+            <a:off x="6062840" y="2348880"/>
+            <a:ext cx="1677512" cy="648072"/>
+          </a:xfrm>
+          <a:prstGeom prst="wedgeRoundRectCallout">
+            <a:avLst>
+              <a:gd name="adj1" fmla="val -84676"/>
+              <a:gd name="adj2" fmla="val 38431"/>
+              <a:gd name="adj3" fmla="val 16667"/>
+            </a:avLst>
+          </a:prstGeom>
+          <a:solidFill>
+            <a:schemeClr val="tx2">
+              <a:lumMod val="20000"/>
+              <a:lumOff val="80000"/>
+            </a:schemeClr>
+          </a:solidFill>
+          <a:ln w="9525"/>
+        </p:spPr>
+        <p:style>
+          <a:lnRef idx="2">
+            <a:schemeClr val="accent1">
+              <a:shade val="50000"/>
+            </a:schemeClr>
+          </a:lnRef>
+          <a:fillRef idx="1">
+            <a:schemeClr val="accent1"/>
+          </a:fillRef>
+          <a:effectRef idx="0">
+            <a:schemeClr val="accent1"/>
+          </a:effectRef>
+          <a:fontRef idx="minor">
+            <a:schemeClr val="lt1"/>
+          </a:fontRef>
+        </p:style>
+        <p:txBody>
+          <a:bodyPr rtlCol="0" anchor="ctr"/>
+          <a:lstStyle/>
+          <a:p>
+            <a:r>
+              <a:rPr lang="zh-TW" altLang="en-US" sz="1400" b="1" dirty="0" smtClean="0">
+                <a:solidFill>
+                  <a:schemeClr val="tx1"/>
+                </a:solidFill>
+                <a:ea typeface="細明體" panose="02020509000000000000" pitchFamily="49" charset="-120"/>
+              </a:rPr>
+              <a:t>點選清單可查看該文件簽核狀況</a:t>
+            </a:r>
+            <a:endParaRPr lang="zh-TW" altLang="en-US" sz="1400" b="1" dirty="0">
+              <a:solidFill>
+                <a:schemeClr val="tx1"/>
+              </a:solidFill>
+              <a:ea typeface="細明體" panose="02020509000000000000" pitchFamily="49" charset="-120"/>
+            </a:endParaRPr>
+          </a:p>
+        </p:txBody>
+      </p:sp>
+      <p:sp>
+        <p:nvSpPr>
+          <p:cNvPr id="6" name="圓角矩形圖說文字 5"/>
+          <p:cNvSpPr/>
+          <p:nvPr/>
+        </p:nvSpPr>
+        <p:spPr>
+          <a:xfrm>
+            <a:off x="2123728" y="3625225"/>
+            <a:ext cx="1440160" cy="667871"/>
+          </a:xfrm>
+          <a:prstGeom prst="wedgeRoundRectCallout">
+            <a:avLst>
+              <a:gd name="adj1" fmla="val -21992"/>
+              <a:gd name="adj2" fmla="val -82953"/>
+              <a:gd name="adj3" fmla="val 16667"/>
+            </a:avLst>
+          </a:prstGeom>
+          <a:solidFill>
+            <a:schemeClr val="tx2">
+              <a:lumMod val="20000"/>
+              <a:lumOff val="80000"/>
+            </a:schemeClr>
+          </a:solidFill>
+          <a:ln w="9525"/>
+        </p:spPr>
+        <p:style>
+          <a:lnRef idx="2">
+            <a:schemeClr val="accent1">
+              <a:shade val="50000"/>
+            </a:schemeClr>
+          </a:lnRef>
+          <a:fillRef idx="1">
+            <a:schemeClr val="accent1"/>
+          </a:fillRef>
+          <a:effectRef idx="0">
+            <a:schemeClr val="accent1"/>
+          </a:effectRef>
+          <a:fontRef idx="minor">
+            <a:schemeClr val="lt1"/>
+          </a:fontRef>
+        </p:style>
+        <p:txBody>
+          <a:bodyPr rtlCol="0" anchor="ctr"/>
+          <a:lstStyle/>
+          <a:p>
+            <a:r>
+              <a:rPr lang="zh-TW" altLang="en-US" sz="1400" b="1" dirty="0" smtClean="0">
+                <a:solidFill>
+                  <a:schemeClr val="tx1"/>
+                </a:solidFill>
+                <a:ea typeface="細明體" panose="02020509000000000000" pitchFamily="49" charset="-120"/>
+              </a:rPr>
+              <a:t>可刪除已完成簽核的文件</a:t>
+            </a:r>
+            <a:endParaRPr lang="zh-TW" altLang="en-US" sz="1400" b="1" dirty="0">
+              <a:solidFill>
+                <a:schemeClr val="tx1"/>
+              </a:solidFill>
+              <a:ea typeface="細明體" panose="02020509000000000000" pitchFamily="49" charset="-120"/>
+            </a:endParaRPr>
+          </a:p>
+        </p:txBody>
+      </p:sp>
+      <p:sp>
+        <p:nvSpPr>
+          <p:cNvPr id="7" name="文字方塊 6"/>
+          <p:cNvSpPr txBox="1"/>
+          <p:nvPr/>
+        </p:nvSpPr>
+        <p:spPr>
+          <a:xfrm>
+            <a:off x="190423" y="260648"/>
+            <a:ext cx="8136904" cy="369332"/>
+          </a:xfrm>
+          <a:prstGeom prst="rect">
+            <a:avLst/>
+          </a:prstGeom>
+          <a:noFill/>
+        </p:spPr>
+        <p:txBody>
+          <a:bodyPr wrap="square" rtlCol="0">
+            <a:spAutoFit/>
+          </a:bodyPr>
+          <a:lstStyle/>
+          <a:p>
+            <a:r>
+              <a:rPr lang="zh-TW" altLang="en-US" dirty="0" smtClean="0">
+                <a:ea typeface="細明體" panose="02020509000000000000" pitchFamily="49" charset="-120"/>
+              </a:rPr>
+              <a:t>進度查詢：文件進度</a:t>
+            </a:r>
+            <a:r>
+              <a:rPr lang="zh-TW" altLang="en-US" dirty="0">
+                <a:ea typeface="細明體" panose="02020509000000000000" pitchFamily="49" charset="-120"/>
+              </a:rPr>
+              <a:t>進度及</a:t>
+            </a:r>
+            <a:r>
+              <a:rPr lang="zh-TW" altLang="en-US" dirty="0" smtClean="0">
+                <a:ea typeface="細明體" panose="02020509000000000000" pitchFamily="49" charset="-120"/>
+              </a:rPr>
+              <a:t>狀況顏色管理可以清楚整個簽核明細</a:t>
+            </a:r>
+            <a:endParaRPr lang="zh-TW" altLang="en-US" dirty="0">
+              <a:ea typeface="細明體" panose="02020509000000000000" pitchFamily="49" charset="-120"/>
+            </a:endParaRPr>
+          </a:p>
+        </p:txBody>
+      </p:sp>
+    </p:spTree>
+    <p:extLst>
+      <p:ext uri="{BB962C8B-B14F-4D97-AF65-F5344CB8AC3E}">
+        <p14:creationId xmlns:p14="http://schemas.microsoft.com/office/powerpoint/2010/main" val="1279195505"/>
+      </p:ext>
+    </p:extLst>
+  </p:cSld>
+  <p:clrMapOvr>
+    <a:masterClrMapping/>
+  </p:clrMapOvr>
+</p:sld>
+</file>
+
+<file path=ppt/slides/slide11.xml><?xml version="1.0" encoding="utf-8"?>
+<p:sld xmlns:a="http://schemas.openxmlformats.org/drawingml/2006/main" xmlns:r="http://schemas.openxmlformats.org/officeDocument/2006/relationships" xmlns:p="http://schemas.openxmlformats.org/presentationml/2006/main">
+  <p:cSld>
+    <p:spTree>
+      <p:nvGrpSpPr>
+        <p:cNvPr id="1" name=""/>
+        <p:cNvGrpSpPr/>
+        <p:nvPr/>
+      </p:nvGrpSpPr>
+      <p:grpSpPr>
+        <a:xfrm>
+          <a:off x="0" y="0"/>
+          <a:ext cx="0" cy="0"/>
+          <a:chOff x="0" y="0"/>
+          <a:chExt cx="0" cy="0"/>
+        </a:xfrm>
+      </p:grpSpPr>
+      <p:pic>
+        <p:nvPicPr>
           <p:cNvPr id="4" name="Picture 2"/>
           <p:cNvPicPr>
             <a:picLocks noChangeAspect="1" noChangeArrowheads="1"/>
@@ -4465,7 +4736,7 @@
           <a:blip r:embed="rId2" cstate="print">
             <a:extLst>
               <a:ext uri="{28A0092B-C50C-407E-A947-70E740481C1C}">
-                <a14:useLocalDpi xmlns="" xmlns:a14="http://schemas.microsoft.com/office/drawing/2010/main" val="0"/>
+                <a14:useLocalDpi xmlns:a14="http://schemas.microsoft.com/office/drawing/2010/main" val="0"/>
               </a:ext>
             </a:extLst>
           </a:blip>
@@ -4488,14 +4759,14 @@
           </a:ln>
           <a:extLst>
             <a:ext uri="{909E8E84-426E-40DD-AFC4-6F175D3DCCD1}">
-              <a14:hiddenFill xmlns="" xmlns:a14="http://schemas.microsoft.com/office/drawing/2010/main">
+              <a14:hiddenFill xmlns:a14="http://schemas.microsoft.com/office/drawing/2010/main">
                 <a:solidFill>
                   <a:schemeClr val="accent1"/>
                 </a:solidFill>
               </a14:hiddenFill>
             </a:ext>
             <a:ext uri="{91240B29-F687-4F45-9708-019B960494DF}">
-              <a14:hiddenLine xmlns="" xmlns:a14="http://schemas.microsoft.com/office/drawing/2010/main" w="9525">
+              <a14:hiddenLine xmlns:a14="http://schemas.microsoft.com/office/drawing/2010/main" w="9525">
                 <a:solidFill>
                   <a:schemeClr val="tx1"/>
                 </a:solidFill>
@@ -4624,7 +4895,7 @@
     </p:spTree>
     <p:extLst>
       <p:ext uri="{BB962C8B-B14F-4D97-AF65-F5344CB8AC3E}">
-        <p14:creationId xmlns="" xmlns:p14="http://schemas.microsoft.com/office/powerpoint/2010/main" val="2517787318"/>
+        <p14:creationId xmlns:p14="http://schemas.microsoft.com/office/powerpoint/2010/main" val="2517787318"/>
       </p:ext>
     </p:extLst>
   </p:cSld>
@@ -4634,7 +4905,7 @@
 </p:sld>
 </file>
 
-<file path=ppt/slides/slide11.xml><?xml version="1.0" encoding="utf-8"?>
+<file path=ppt/slides/slide12.xml><?xml version="1.0" encoding="utf-8"?>
 <p:sld xmlns:a="http://schemas.openxmlformats.org/drawingml/2006/main" xmlns:r="http://schemas.openxmlformats.org/officeDocument/2006/relationships" xmlns:p="http://schemas.openxmlformats.org/presentationml/2006/main">
   <p:cSld>
     <p:spTree>
@@ -4663,7 +4934,7 @@
           <a:blip r:embed="rId2" cstate="print">
             <a:extLst>
               <a:ext uri="{28A0092B-C50C-407E-A947-70E740481C1C}">
-                <a14:useLocalDpi xmlns="" xmlns:a14="http://schemas.microsoft.com/office/drawing/2010/main" val="0"/>
+                <a14:useLocalDpi xmlns:a14="http://schemas.microsoft.com/office/drawing/2010/main" val="0"/>
               </a:ext>
             </a:extLst>
           </a:blip>
@@ -4686,14 +4957,14 @@
           </a:ln>
           <a:extLst>
             <a:ext uri="{909E8E84-426E-40DD-AFC4-6F175D3DCCD1}">
-              <a14:hiddenFill xmlns="" xmlns:a14="http://schemas.microsoft.com/office/drawing/2010/main">
+              <a14:hiddenFill xmlns:a14="http://schemas.microsoft.com/office/drawing/2010/main">
                 <a:solidFill>
                   <a:schemeClr val="accent1"/>
                 </a:solidFill>
               </a14:hiddenFill>
             </a:ext>
             <a:ext uri="{91240B29-F687-4F45-9708-019B960494DF}">
-              <a14:hiddenLine xmlns="" xmlns:a14="http://schemas.microsoft.com/office/drawing/2010/main" w="9525">
+              <a14:hiddenLine xmlns:a14="http://schemas.microsoft.com/office/drawing/2010/main" w="9525">
                 <a:solidFill>
                   <a:schemeClr val="tx1"/>
                 </a:solidFill>
@@ -4800,7 +5071,7 @@
     </p:spTree>
     <p:extLst>
       <p:ext uri="{BB962C8B-B14F-4D97-AF65-F5344CB8AC3E}">
-        <p14:creationId xmlns="" xmlns:p14="http://schemas.microsoft.com/office/powerpoint/2010/main" val="1594286763"/>
+        <p14:creationId xmlns:p14="http://schemas.microsoft.com/office/powerpoint/2010/main" val="1594286763"/>
       </p:ext>
     </p:extLst>
   </p:cSld>
@@ -4810,7 +5081,7 @@
 </p:sld>
 </file>
 
-<file path=ppt/slides/slide12.xml><?xml version="1.0" encoding="utf-8"?>
+<file path=ppt/slides/slide13.xml><?xml version="1.0" encoding="utf-8"?>
 <p:sld xmlns:a="http://schemas.openxmlformats.org/drawingml/2006/main" xmlns:r="http://schemas.openxmlformats.org/officeDocument/2006/relationships" xmlns:p="http://schemas.openxmlformats.org/presentationml/2006/main">
   <p:cSld>
     <p:spTree>
@@ -4839,7 +5110,7 @@
           <a:blip r:embed="rId2" cstate="print">
             <a:extLst>
               <a:ext uri="{28A0092B-C50C-407E-A947-70E740481C1C}">
-                <a14:useLocalDpi xmlns="" xmlns:a14="http://schemas.microsoft.com/office/drawing/2010/main" val="0"/>
+                <a14:useLocalDpi xmlns:a14="http://schemas.microsoft.com/office/drawing/2010/main" val="0"/>
               </a:ext>
             </a:extLst>
           </a:blip>
@@ -5039,7 +5310,7 @@
     </p:spTree>
     <p:extLst>
       <p:ext uri="{BB962C8B-B14F-4D97-AF65-F5344CB8AC3E}">
-        <p14:creationId xmlns="" xmlns:p14="http://schemas.microsoft.com/office/powerpoint/2010/main" val="3448592289"/>
+        <p14:creationId xmlns:p14="http://schemas.microsoft.com/office/powerpoint/2010/main" val="3448592289"/>
       </p:ext>
     </p:extLst>
   </p:cSld>
@@ -5049,7 +5320,7 @@
 </p:sld>
 </file>
 
-<file path=ppt/slides/slide13.xml><?xml version="1.0" encoding="utf-8"?>
+<file path=ppt/slides/slide14.xml><?xml version="1.0" encoding="utf-8"?>
 <p:sld xmlns:a="http://schemas.openxmlformats.org/drawingml/2006/main" xmlns:r="http://schemas.openxmlformats.org/officeDocument/2006/relationships" xmlns:p="http://schemas.openxmlformats.org/presentationml/2006/main">
   <p:cSld>
     <p:spTree>
@@ -5092,7 +5363,7 @@
             <a:blip r:embed="rId2" cstate="print">
               <a:extLst>
                 <a:ext uri="{28A0092B-C50C-407E-A947-70E740481C1C}">
-                  <a14:useLocalDpi xmlns="" xmlns:a14="http://schemas.microsoft.com/office/drawing/2010/main" val="0"/>
+                  <a14:useLocalDpi xmlns:a14="http://schemas.microsoft.com/office/drawing/2010/main" val="0"/>
                 </a:ext>
               </a:extLst>
             </a:blip>
@@ -5115,14 +5386,14 @@
             </a:ln>
             <a:extLst>
               <a:ext uri="{909E8E84-426E-40DD-AFC4-6F175D3DCCD1}">
-                <a14:hiddenFill xmlns="" xmlns:a14="http://schemas.microsoft.com/office/drawing/2010/main">
+                <a14:hiddenFill xmlns:a14="http://schemas.microsoft.com/office/drawing/2010/main">
                   <a:solidFill>
                     <a:schemeClr val="accent1"/>
                   </a:solidFill>
                 </a14:hiddenFill>
               </a:ext>
               <a:ext uri="{91240B29-F687-4F45-9708-019B960494DF}">
-                <a14:hiddenLine xmlns="" xmlns:a14="http://schemas.microsoft.com/office/drawing/2010/main" w="9525">
+                <a14:hiddenLine xmlns:a14="http://schemas.microsoft.com/office/drawing/2010/main" w="9525">
                   <a:solidFill>
                     <a:schemeClr val="tx1"/>
                   </a:solidFill>
@@ -5683,7 +5954,7 @@
     </p:spTree>
     <p:extLst>
       <p:ext uri="{BB962C8B-B14F-4D97-AF65-F5344CB8AC3E}">
-        <p14:creationId xmlns="" xmlns:p14="http://schemas.microsoft.com/office/powerpoint/2010/main" val="3324486223"/>
+        <p14:creationId xmlns:p14="http://schemas.microsoft.com/office/powerpoint/2010/main" val="3324486223"/>
       </p:ext>
     </p:extLst>
   </p:cSld>
@@ -5693,7 +5964,7 @@
 </p:sld>
 </file>
 
-<file path=ppt/slides/slide14.xml><?xml version="1.0" encoding="utf-8"?>
+<file path=ppt/slides/slide15.xml><?xml version="1.0" encoding="utf-8"?>
 <p:sld xmlns:a="http://schemas.openxmlformats.org/drawingml/2006/main" xmlns:r="http://schemas.openxmlformats.org/officeDocument/2006/relationships" xmlns:p="http://schemas.openxmlformats.org/presentationml/2006/main">
   <p:cSld>
     <p:spTree>
@@ -5722,7 +5993,7 @@
           <a:blip r:embed="rId2" cstate="print">
             <a:extLst>
               <a:ext uri="{28A0092B-C50C-407E-A947-70E740481C1C}">
-                <a14:useLocalDpi xmlns="" xmlns:a14="http://schemas.microsoft.com/office/drawing/2010/main" val="0"/>
+                <a14:useLocalDpi xmlns:a14="http://schemas.microsoft.com/office/drawing/2010/main" val="0"/>
               </a:ext>
             </a:extLst>
           </a:blip>
@@ -5745,14 +6016,14 @@
           </a:ln>
           <a:extLst>
             <a:ext uri="{909E8E84-426E-40DD-AFC4-6F175D3DCCD1}">
-              <a14:hiddenFill xmlns="" xmlns:a14="http://schemas.microsoft.com/office/drawing/2010/main">
+              <a14:hiddenFill xmlns:a14="http://schemas.microsoft.com/office/drawing/2010/main">
                 <a:solidFill>
                   <a:schemeClr val="accent1"/>
                 </a:solidFill>
               </a14:hiddenFill>
             </a:ext>
             <a:ext uri="{91240B29-F687-4F45-9708-019B960494DF}">
-              <a14:hiddenLine xmlns="" xmlns:a14="http://schemas.microsoft.com/office/drawing/2010/main" w="9525">
+              <a14:hiddenLine xmlns:a14="http://schemas.microsoft.com/office/drawing/2010/main" w="9525">
                 <a:solidFill>
                   <a:schemeClr val="tx1"/>
                 </a:solidFill>
@@ -5923,7 +6194,7 @@
     </p:spTree>
     <p:extLst>
       <p:ext uri="{BB962C8B-B14F-4D97-AF65-F5344CB8AC3E}">
-        <p14:creationId xmlns="" xmlns:p14="http://schemas.microsoft.com/office/powerpoint/2010/main" val="2403578913"/>
+        <p14:creationId xmlns:p14="http://schemas.microsoft.com/office/powerpoint/2010/main" val="2403578913"/>
       </p:ext>
     </p:extLst>
   </p:cSld>
@@ -5933,7 +6204,574 @@
 </p:sld>
 </file>
 
-<file path=ppt/slides/slide15.xml><?xml version="1.0" encoding="utf-8"?>
+<file path=ppt/slides/slide16.xml><?xml version="1.0" encoding="utf-8"?>
+<p:sld xmlns:a="http://schemas.openxmlformats.org/drawingml/2006/main" xmlns:r="http://schemas.openxmlformats.org/officeDocument/2006/relationships" xmlns:p="http://schemas.openxmlformats.org/presentationml/2006/main">
+  <p:cSld>
+    <p:spTree>
+      <p:nvGrpSpPr>
+        <p:cNvPr id="1" name=""/>
+        <p:cNvGrpSpPr/>
+        <p:nvPr/>
+      </p:nvGrpSpPr>
+      <p:grpSpPr>
+        <a:xfrm>
+          <a:off x="0" y="0"/>
+          <a:ext cx="0" cy="0"/>
+          <a:chOff x="0" y="0"/>
+          <a:chExt cx="0" cy="0"/>
+        </a:xfrm>
+      </p:grpSpPr>
+      <p:pic>
+        <p:nvPicPr>
+          <p:cNvPr id="4" name="Picture 4"/>
+          <p:cNvPicPr>
+            <a:picLocks noChangeAspect="1" noChangeArrowheads="1"/>
+          </p:cNvPicPr>
+          <p:nvPr/>
+        </p:nvPicPr>
+        <p:blipFill>
+          <a:blip r:embed="rId2">
+            <a:extLst>
+              <a:ext uri="{28A0092B-C50C-407E-A947-70E740481C1C}">
+                <a14:useLocalDpi xmlns:a14="http://schemas.microsoft.com/office/drawing/2010/main" val="0"/>
+              </a:ext>
+            </a:extLst>
+          </a:blip>
+          <a:srcRect/>
+          <a:stretch>
+            <a:fillRect/>
+          </a:stretch>
+        </p:blipFill>
+        <p:spPr bwMode="auto">
+          <a:xfrm>
+            <a:off x="562774" y="1484784"/>
+            <a:ext cx="8473722" cy="3852428"/>
+          </a:xfrm>
+          <a:prstGeom prst="rect">
+            <a:avLst/>
+          </a:prstGeom>
+          <a:noFill/>
+          <a:ln>
+            <a:noFill/>
+          </a:ln>
+          <a:extLst>
+            <a:ext uri="{909E8E84-426E-40DD-AFC4-6F175D3DCCD1}">
+              <a14:hiddenFill xmlns:a14="http://schemas.microsoft.com/office/drawing/2010/main">
+                <a:solidFill>
+                  <a:schemeClr val="accent1"/>
+                </a:solidFill>
+              </a14:hiddenFill>
+            </a:ext>
+            <a:ext uri="{91240B29-F687-4F45-9708-019B960494DF}">
+              <a14:hiddenLine xmlns:a14="http://schemas.microsoft.com/office/drawing/2010/main" w="9525">
+                <a:solidFill>
+                  <a:schemeClr val="tx1"/>
+                </a:solidFill>
+                <a:miter lim="800000"/>
+                <a:headEnd/>
+                <a:tailEnd/>
+              </a14:hiddenLine>
+            </a:ext>
+          </a:extLst>
+        </p:spPr>
+      </p:pic>
+      <p:sp>
+        <p:nvSpPr>
+          <p:cNvPr id="5" name="文字方塊 3"/>
+          <p:cNvSpPr txBox="1"/>
+          <p:nvPr/>
+        </p:nvSpPr>
+        <p:spPr>
+          <a:xfrm>
+            <a:off x="35496" y="683404"/>
+            <a:ext cx="2448272" cy="369332"/>
+          </a:xfrm>
+          <a:prstGeom prst="rect">
+            <a:avLst/>
+          </a:prstGeom>
+          <a:noFill/>
+        </p:spPr>
+        <p:txBody>
+          <a:bodyPr wrap="square" rtlCol="0">
+            <a:spAutoFit/>
+          </a:bodyPr>
+          <a:lstStyle>
+            <a:defPPr>
+              <a:defRPr lang="zh-TW"/>
+            </a:defPPr>
+            <a:lvl1pPr marL="0" algn="l" defTabSz="914400" rtl="0" eaLnBrk="1" latinLnBrk="0" hangingPunct="1">
+              <a:defRPr sz="1800" kern="1200">
+                <a:solidFill>
+                  <a:schemeClr val="tx1"/>
+                </a:solidFill>
+                <a:latin typeface="+mn-lt"/>
+                <a:ea typeface="+mn-ea"/>
+                <a:cs typeface="+mn-cs"/>
+              </a:defRPr>
+            </a:lvl1pPr>
+            <a:lvl2pPr marL="457200" algn="l" defTabSz="914400" rtl="0" eaLnBrk="1" latinLnBrk="0" hangingPunct="1">
+              <a:defRPr sz="1800" kern="1200">
+                <a:solidFill>
+                  <a:schemeClr val="tx1"/>
+                </a:solidFill>
+                <a:latin typeface="+mn-lt"/>
+                <a:ea typeface="+mn-ea"/>
+                <a:cs typeface="+mn-cs"/>
+              </a:defRPr>
+            </a:lvl2pPr>
+            <a:lvl3pPr marL="914400" algn="l" defTabSz="914400" rtl="0" eaLnBrk="1" latinLnBrk="0" hangingPunct="1">
+              <a:defRPr sz="1800" kern="1200">
+                <a:solidFill>
+                  <a:schemeClr val="tx1"/>
+                </a:solidFill>
+                <a:latin typeface="+mn-lt"/>
+                <a:ea typeface="+mn-ea"/>
+                <a:cs typeface="+mn-cs"/>
+              </a:defRPr>
+            </a:lvl3pPr>
+            <a:lvl4pPr marL="1371600" algn="l" defTabSz="914400" rtl="0" eaLnBrk="1" latinLnBrk="0" hangingPunct="1">
+              <a:defRPr sz="1800" kern="1200">
+                <a:solidFill>
+                  <a:schemeClr val="tx1"/>
+                </a:solidFill>
+                <a:latin typeface="+mn-lt"/>
+                <a:ea typeface="+mn-ea"/>
+                <a:cs typeface="+mn-cs"/>
+              </a:defRPr>
+            </a:lvl4pPr>
+            <a:lvl5pPr marL="1828800" algn="l" defTabSz="914400" rtl="0" eaLnBrk="1" latinLnBrk="0" hangingPunct="1">
+              <a:defRPr sz="1800" kern="1200">
+                <a:solidFill>
+                  <a:schemeClr val="tx1"/>
+                </a:solidFill>
+                <a:latin typeface="+mn-lt"/>
+                <a:ea typeface="+mn-ea"/>
+                <a:cs typeface="+mn-cs"/>
+              </a:defRPr>
+            </a:lvl5pPr>
+            <a:lvl6pPr marL="2286000" algn="l" defTabSz="914400" rtl="0" eaLnBrk="1" latinLnBrk="0" hangingPunct="1">
+              <a:defRPr sz="1800" kern="1200">
+                <a:solidFill>
+                  <a:schemeClr val="tx1"/>
+                </a:solidFill>
+                <a:latin typeface="+mn-lt"/>
+                <a:ea typeface="+mn-ea"/>
+                <a:cs typeface="+mn-cs"/>
+              </a:defRPr>
+            </a:lvl6pPr>
+            <a:lvl7pPr marL="2743200" algn="l" defTabSz="914400" rtl="0" eaLnBrk="1" latinLnBrk="0" hangingPunct="1">
+              <a:defRPr sz="1800" kern="1200">
+                <a:solidFill>
+                  <a:schemeClr val="tx1"/>
+                </a:solidFill>
+                <a:latin typeface="+mn-lt"/>
+                <a:ea typeface="+mn-ea"/>
+                <a:cs typeface="+mn-cs"/>
+              </a:defRPr>
+            </a:lvl7pPr>
+            <a:lvl8pPr marL="3200400" algn="l" defTabSz="914400" rtl="0" eaLnBrk="1" latinLnBrk="0" hangingPunct="1">
+              <a:defRPr sz="1800" kern="1200">
+                <a:solidFill>
+                  <a:schemeClr val="tx1"/>
+                </a:solidFill>
+                <a:latin typeface="+mn-lt"/>
+                <a:ea typeface="+mn-ea"/>
+                <a:cs typeface="+mn-cs"/>
+              </a:defRPr>
+            </a:lvl8pPr>
+            <a:lvl9pPr marL="3657600" algn="l" defTabSz="914400" rtl="0" eaLnBrk="1" latinLnBrk="0" hangingPunct="1">
+              <a:defRPr sz="1800" kern="1200">
+                <a:solidFill>
+                  <a:schemeClr val="tx1"/>
+                </a:solidFill>
+                <a:latin typeface="+mn-lt"/>
+                <a:ea typeface="+mn-ea"/>
+                <a:cs typeface="+mn-cs"/>
+              </a:defRPr>
+            </a:lvl9pPr>
+          </a:lstStyle>
+          <a:p>
+            <a:pPr algn="ctr"/>
+            <a:r>
+              <a:rPr lang="zh-TW" altLang="en-US" b="1" dirty="0">
+                <a:ea typeface="細明體" panose="02020509000000000000" pitchFamily="49" charset="-120"/>
+              </a:rPr>
+              <a:t>文件查詢</a:t>
+            </a:r>
+          </a:p>
+        </p:txBody>
+      </p:sp>
+      <p:sp>
+        <p:nvSpPr>
+          <p:cNvPr id="6" name="圓角矩形圖說文字 5"/>
+          <p:cNvSpPr/>
+          <p:nvPr/>
+        </p:nvSpPr>
+        <p:spPr>
+          <a:xfrm>
+            <a:off x="3995936" y="5373216"/>
+            <a:ext cx="2592288" cy="576064"/>
+          </a:xfrm>
+          <a:prstGeom prst="wedgeRoundRectCallout">
+            <a:avLst>
+              <a:gd name="adj1" fmla="val -33841"/>
+              <a:gd name="adj2" fmla="val -172486"/>
+              <a:gd name="adj3" fmla="val 16667"/>
+            </a:avLst>
+          </a:prstGeom>
+          <a:solidFill>
+            <a:schemeClr val="tx2">
+              <a:lumMod val="20000"/>
+              <a:lumOff val="80000"/>
+            </a:schemeClr>
+          </a:solidFill>
+          <a:ln>
+            <a:solidFill>
+              <a:schemeClr val="tx2">
+                <a:lumMod val="20000"/>
+                <a:lumOff val="80000"/>
+              </a:schemeClr>
+            </a:solidFill>
+          </a:ln>
+        </p:spPr>
+        <p:style>
+          <a:lnRef idx="2">
+            <a:schemeClr val="accent1">
+              <a:shade val="50000"/>
+            </a:schemeClr>
+          </a:lnRef>
+          <a:fillRef idx="1">
+            <a:schemeClr val="accent1"/>
+          </a:fillRef>
+          <a:effectRef idx="0">
+            <a:schemeClr val="accent1"/>
+          </a:effectRef>
+          <a:fontRef idx="minor">
+            <a:schemeClr val="lt1"/>
+          </a:fontRef>
+        </p:style>
+        <p:txBody>
+          <a:bodyPr rtlCol="0" anchor="ctr"/>
+          <a:lstStyle>
+            <a:defPPr>
+              <a:defRPr lang="zh-TW"/>
+            </a:defPPr>
+            <a:lvl1pPr marL="0" algn="l" defTabSz="914400" rtl="0" eaLnBrk="1" latinLnBrk="0" hangingPunct="1">
+              <a:defRPr sz="1800" kern="1200">
+                <a:solidFill>
+                  <a:schemeClr val="lt1"/>
+                </a:solidFill>
+                <a:latin typeface="+mn-lt"/>
+                <a:ea typeface="+mn-ea"/>
+                <a:cs typeface="+mn-cs"/>
+              </a:defRPr>
+            </a:lvl1pPr>
+            <a:lvl2pPr marL="457200" algn="l" defTabSz="914400" rtl="0" eaLnBrk="1" latinLnBrk="0" hangingPunct="1">
+              <a:defRPr sz="1800" kern="1200">
+                <a:solidFill>
+                  <a:schemeClr val="lt1"/>
+                </a:solidFill>
+                <a:latin typeface="+mn-lt"/>
+                <a:ea typeface="+mn-ea"/>
+                <a:cs typeface="+mn-cs"/>
+              </a:defRPr>
+            </a:lvl2pPr>
+            <a:lvl3pPr marL="914400" algn="l" defTabSz="914400" rtl="0" eaLnBrk="1" latinLnBrk="0" hangingPunct="1">
+              <a:defRPr sz="1800" kern="1200">
+                <a:solidFill>
+                  <a:schemeClr val="lt1"/>
+                </a:solidFill>
+                <a:latin typeface="+mn-lt"/>
+                <a:ea typeface="+mn-ea"/>
+                <a:cs typeface="+mn-cs"/>
+              </a:defRPr>
+            </a:lvl3pPr>
+            <a:lvl4pPr marL="1371600" algn="l" defTabSz="914400" rtl="0" eaLnBrk="1" latinLnBrk="0" hangingPunct="1">
+              <a:defRPr sz="1800" kern="1200">
+                <a:solidFill>
+                  <a:schemeClr val="lt1"/>
+                </a:solidFill>
+                <a:latin typeface="+mn-lt"/>
+                <a:ea typeface="+mn-ea"/>
+                <a:cs typeface="+mn-cs"/>
+              </a:defRPr>
+            </a:lvl4pPr>
+            <a:lvl5pPr marL="1828800" algn="l" defTabSz="914400" rtl="0" eaLnBrk="1" latinLnBrk="0" hangingPunct="1">
+              <a:defRPr sz="1800" kern="1200">
+                <a:solidFill>
+                  <a:schemeClr val="lt1"/>
+                </a:solidFill>
+                <a:latin typeface="+mn-lt"/>
+                <a:ea typeface="+mn-ea"/>
+                <a:cs typeface="+mn-cs"/>
+              </a:defRPr>
+            </a:lvl5pPr>
+            <a:lvl6pPr marL="2286000" algn="l" defTabSz="914400" rtl="0" eaLnBrk="1" latinLnBrk="0" hangingPunct="1">
+              <a:defRPr sz="1800" kern="1200">
+                <a:solidFill>
+                  <a:schemeClr val="lt1"/>
+                </a:solidFill>
+                <a:latin typeface="+mn-lt"/>
+                <a:ea typeface="+mn-ea"/>
+                <a:cs typeface="+mn-cs"/>
+              </a:defRPr>
+            </a:lvl6pPr>
+            <a:lvl7pPr marL="2743200" algn="l" defTabSz="914400" rtl="0" eaLnBrk="1" latinLnBrk="0" hangingPunct="1">
+              <a:defRPr sz="1800" kern="1200">
+                <a:solidFill>
+                  <a:schemeClr val="lt1"/>
+                </a:solidFill>
+                <a:latin typeface="+mn-lt"/>
+                <a:ea typeface="+mn-ea"/>
+                <a:cs typeface="+mn-cs"/>
+              </a:defRPr>
+            </a:lvl7pPr>
+            <a:lvl8pPr marL="3200400" algn="l" defTabSz="914400" rtl="0" eaLnBrk="1" latinLnBrk="0" hangingPunct="1">
+              <a:defRPr sz="1800" kern="1200">
+                <a:solidFill>
+                  <a:schemeClr val="lt1"/>
+                </a:solidFill>
+                <a:latin typeface="+mn-lt"/>
+                <a:ea typeface="+mn-ea"/>
+                <a:cs typeface="+mn-cs"/>
+              </a:defRPr>
+            </a:lvl8pPr>
+            <a:lvl9pPr marL="3657600" algn="l" defTabSz="914400" rtl="0" eaLnBrk="1" latinLnBrk="0" hangingPunct="1">
+              <a:defRPr sz="1800" kern="1200">
+                <a:solidFill>
+                  <a:schemeClr val="lt1"/>
+                </a:solidFill>
+                <a:latin typeface="+mn-lt"/>
+                <a:ea typeface="+mn-ea"/>
+                <a:cs typeface="+mn-cs"/>
+              </a:defRPr>
+            </a:lvl9pPr>
+          </a:lstStyle>
+          <a:p>
+            <a:r>
+              <a:rPr lang="zh-TW" altLang="en-US" sz="1400" b="1" dirty="0" smtClean="0">
+                <a:solidFill>
+                  <a:schemeClr val="tx1"/>
+                </a:solidFill>
+              </a:rPr>
+              <a:t>查詢結果的文件可以點擊開啟</a:t>
+            </a:r>
+            <a:endParaRPr lang="zh-TW" altLang="en-US" sz="1400" b="1" dirty="0">
+              <a:solidFill>
+                <a:schemeClr val="tx1"/>
+              </a:solidFill>
+            </a:endParaRPr>
+          </a:p>
+        </p:txBody>
+      </p:sp>
+      <p:sp>
+        <p:nvSpPr>
+          <p:cNvPr id="7" name="圓角矩形圖說文字 6"/>
+          <p:cNvSpPr/>
+          <p:nvPr/>
+        </p:nvSpPr>
+        <p:spPr>
+          <a:xfrm>
+            <a:off x="5580112" y="548680"/>
+            <a:ext cx="3024336" cy="1080120"/>
+          </a:xfrm>
+          <a:prstGeom prst="wedgeRoundRectCallout">
+            <a:avLst/>
+          </a:prstGeom>
+          <a:solidFill>
+            <a:schemeClr val="tx2">
+              <a:lumMod val="20000"/>
+              <a:lumOff val="80000"/>
+            </a:schemeClr>
+          </a:solidFill>
+        </p:spPr>
+        <p:style>
+          <a:lnRef idx="2">
+            <a:schemeClr val="accent1">
+              <a:shade val="50000"/>
+            </a:schemeClr>
+          </a:lnRef>
+          <a:fillRef idx="1">
+            <a:schemeClr val="accent1"/>
+          </a:fillRef>
+          <a:effectRef idx="0">
+            <a:schemeClr val="accent1"/>
+          </a:effectRef>
+          <a:fontRef idx="minor">
+            <a:schemeClr val="lt1"/>
+          </a:fontRef>
+        </p:style>
+        <p:txBody>
+          <a:bodyPr rtlCol="0" anchor="ctr"/>
+          <a:lstStyle>
+            <a:defPPr>
+              <a:defRPr lang="zh-TW"/>
+            </a:defPPr>
+            <a:lvl1pPr marL="0" algn="l" defTabSz="914400" rtl="0" eaLnBrk="1" latinLnBrk="0" hangingPunct="1">
+              <a:defRPr sz="1800" kern="1200">
+                <a:solidFill>
+                  <a:schemeClr val="lt1"/>
+                </a:solidFill>
+                <a:latin typeface="+mn-lt"/>
+                <a:ea typeface="+mn-ea"/>
+                <a:cs typeface="+mn-cs"/>
+              </a:defRPr>
+            </a:lvl1pPr>
+            <a:lvl2pPr marL="457200" algn="l" defTabSz="914400" rtl="0" eaLnBrk="1" latinLnBrk="0" hangingPunct="1">
+              <a:defRPr sz="1800" kern="1200">
+                <a:solidFill>
+                  <a:schemeClr val="lt1"/>
+                </a:solidFill>
+                <a:latin typeface="+mn-lt"/>
+                <a:ea typeface="+mn-ea"/>
+                <a:cs typeface="+mn-cs"/>
+              </a:defRPr>
+            </a:lvl2pPr>
+            <a:lvl3pPr marL="914400" algn="l" defTabSz="914400" rtl="0" eaLnBrk="1" latinLnBrk="0" hangingPunct="1">
+              <a:defRPr sz="1800" kern="1200">
+                <a:solidFill>
+                  <a:schemeClr val="lt1"/>
+                </a:solidFill>
+                <a:latin typeface="+mn-lt"/>
+                <a:ea typeface="+mn-ea"/>
+                <a:cs typeface="+mn-cs"/>
+              </a:defRPr>
+            </a:lvl3pPr>
+            <a:lvl4pPr marL="1371600" algn="l" defTabSz="914400" rtl="0" eaLnBrk="1" latinLnBrk="0" hangingPunct="1">
+              <a:defRPr sz="1800" kern="1200">
+                <a:solidFill>
+                  <a:schemeClr val="lt1"/>
+                </a:solidFill>
+                <a:latin typeface="+mn-lt"/>
+                <a:ea typeface="+mn-ea"/>
+                <a:cs typeface="+mn-cs"/>
+              </a:defRPr>
+            </a:lvl4pPr>
+            <a:lvl5pPr marL="1828800" algn="l" defTabSz="914400" rtl="0" eaLnBrk="1" latinLnBrk="0" hangingPunct="1">
+              <a:defRPr sz="1800" kern="1200">
+                <a:solidFill>
+                  <a:schemeClr val="lt1"/>
+                </a:solidFill>
+                <a:latin typeface="+mn-lt"/>
+                <a:ea typeface="+mn-ea"/>
+                <a:cs typeface="+mn-cs"/>
+              </a:defRPr>
+            </a:lvl5pPr>
+            <a:lvl6pPr marL="2286000" algn="l" defTabSz="914400" rtl="0" eaLnBrk="1" latinLnBrk="0" hangingPunct="1">
+              <a:defRPr sz="1800" kern="1200">
+                <a:solidFill>
+                  <a:schemeClr val="lt1"/>
+                </a:solidFill>
+                <a:latin typeface="+mn-lt"/>
+                <a:ea typeface="+mn-ea"/>
+                <a:cs typeface="+mn-cs"/>
+              </a:defRPr>
+            </a:lvl6pPr>
+            <a:lvl7pPr marL="2743200" algn="l" defTabSz="914400" rtl="0" eaLnBrk="1" latinLnBrk="0" hangingPunct="1">
+              <a:defRPr sz="1800" kern="1200">
+                <a:solidFill>
+                  <a:schemeClr val="lt1"/>
+                </a:solidFill>
+                <a:latin typeface="+mn-lt"/>
+                <a:ea typeface="+mn-ea"/>
+                <a:cs typeface="+mn-cs"/>
+              </a:defRPr>
+            </a:lvl7pPr>
+            <a:lvl8pPr marL="3200400" algn="l" defTabSz="914400" rtl="0" eaLnBrk="1" latinLnBrk="0" hangingPunct="1">
+              <a:defRPr sz="1800" kern="1200">
+                <a:solidFill>
+                  <a:schemeClr val="lt1"/>
+                </a:solidFill>
+                <a:latin typeface="+mn-lt"/>
+                <a:ea typeface="+mn-ea"/>
+                <a:cs typeface="+mn-cs"/>
+              </a:defRPr>
+            </a:lvl8pPr>
+            <a:lvl9pPr marL="3657600" algn="l" defTabSz="914400" rtl="0" eaLnBrk="1" latinLnBrk="0" hangingPunct="1">
+              <a:defRPr sz="1800" kern="1200">
+                <a:solidFill>
+                  <a:schemeClr val="lt1"/>
+                </a:solidFill>
+                <a:latin typeface="+mn-lt"/>
+                <a:ea typeface="+mn-ea"/>
+                <a:cs typeface="+mn-cs"/>
+              </a:defRPr>
+            </a:lvl9pPr>
+          </a:lstStyle>
+          <a:p>
+            <a:r>
+              <a:rPr lang="zh-TW" altLang="en-US" sz="1400" b="1" dirty="0" smtClean="0">
+                <a:solidFill>
+                  <a:schemeClr val="tx1"/>
+                </a:solidFill>
+                <a:latin typeface="細明體" panose="02020509000000000000" pitchFamily="49" charset="-120"/>
+                <a:ea typeface="細明體" panose="02020509000000000000" pitchFamily="49" charset="-120"/>
+              </a:rPr>
+              <a:t>文件查詢可以根據編號、關鍵字、日期等條件，建立查詢。</a:t>
+            </a:r>
+            <a:endParaRPr lang="en-US" altLang="zh-TW" sz="1400" b="1" dirty="0" smtClean="0">
+              <a:solidFill>
+                <a:schemeClr val="tx1"/>
+              </a:solidFill>
+              <a:latin typeface="細明體" panose="02020509000000000000" pitchFamily="49" charset="-120"/>
+              <a:ea typeface="細明體" panose="02020509000000000000" pitchFamily="49" charset="-120"/>
+            </a:endParaRPr>
+          </a:p>
+          <a:p>
+            <a:r>
+              <a:rPr lang="zh-TW" altLang="en-US" sz="1200" b="1" dirty="0" smtClean="0">
+                <a:solidFill>
+                  <a:schemeClr val="tx1"/>
+                </a:solidFill>
+                <a:latin typeface="細明體" panose="02020509000000000000" pitchFamily="49" charset="-120"/>
+                <a:ea typeface="細明體" panose="02020509000000000000" pitchFamily="49" charset="-120"/>
+              </a:rPr>
+              <a:t>（</a:t>
+            </a:r>
+            <a:r>
+              <a:rPr lang="en-US" altLang="zh-TW" sz="1200" b="1" dirty="0" smtClean="0">
+                <a:solidFill>
+                  <a:schemeClr val="tx1"/>
+                </a:solidFill>
+                <a:latin typeface="細明體" panose="02020509000000000000" pitchFamily="49" charset="-120"/>
+                <a:ea typeface="細明體" panose="02020509000000000000" pitchFamily="49" charset="-120"/>
+              </a:rPr>
+              <a:t>※</a:t>
+            </a:r>
+            <a:r>
+              <a:rPr lang="zh-TW" altLang="en-US" sz="1200" b="1" dirty="0" smtClean="0">
+                <a:solidFill>
+                  <a:schemeClr val="tx1"/>
+                </a:solidFill>
+                <a:latin typeface="細明體" panose="02020509000000000000" pitchFamily="49" charset="-120"/>
+                <a:ea typeface="細明體" panose="02020509000000000000" pitchFamily="49" charset="-120"/>
+              </a:rPr>
+              <a:t>欄位空白，表示該欄位符合所有搜尋條件；若所有欄位空白，則顯示全部的文件。）</a:t>
+            </a:r>
+            <a:endParaRPr lang="zh-TW" altLang="en-US" sz="1200" b="1" dirty="0">
+              <a:solidFill>
+                <a:schemeClr val="tx1"/>
+              </a:solidFill>
+              <a:latin typeface="細明體" panose="02020509000000000000" pitchFamily="49" charset="-120"/>
+              <a:ea typeface="細明體" panose="02020509000000000000" pitchFamily="49" charset="-120"/>
+            </a:endParaRPr>
+          </a:p>
+        </p:txBody>
+      </p:sp>
+    </p:spTree>
+    <p:extLst>
+      <p:ext uri="{BB962C8B-B14F-4D97-AF65-F5344CB8AC3E}">
+        <p14:creationId xmlns:p14="http://schemas.microsoft.com/office/powerpoint/2010/main" val="1530876184"/>
+      </p:ext>
+    </p:extLst>
+  </p:cSld>
+  <p:clrMapOvr>
+    <a:masterClrMapping/>
+  </p:clrMapOvr>
+</p:sld>
+</file>
+
+<file path=ppt/slides/slide17.xml><?xml version="1.0" encoding="utf-8"?>
 <p:sld xmlns:a="http://schemas.openxmlformats.org/drawingml/2006/main" xmlns:r="http://schemas.openxmlformats.org/officeDocument/2006/relationships" xmlns:p="http://schemas.openxmlformats.org/presentationml/2006/main">
   <p:cSld>
     <p:spTree>
@@ -6028,6 +6866,108 @@
         </p:nvSpPr>
         <p:spPr/>
         <p:txBody>
+          <a:bodyPr>
+            <a:normAutofit/>
+          </a:bodyPr>
+          <a:lstStyle/>
+          <a:p>
+            <a:r>
+              <a:rPr lang="zh-TW" altLang="en-US" dirty="0" smtClean="0"/>
+              <a:t>概念介紹</a:t>
+            </a:r>
+            <a:endParaRPr lang="zh-TW" altLang="en-US" dirty="0"/>
+          </a:p>
+        </p:txBody>
+      </p:sp>
+      <p:sp>
+        <p:nvSpPr>
+          <p:cNvPr id="3" name="內容版面配置區 2"/>
+          <p:cNvSpPr>
+            <a:spLocks noGrp="1"/>
+          </p:cNvSpPr>
+          <p:nvPr>
+            <p:ph idx="1"/>
+          </p:nvPr>
+        </p:nvSpPr>
+        <p:spPr/>
+        <p:txBody>
+          <a:bodyPr/>
+          <a:lstStyle/>
+          <a:p>
+            <a:r>
+              <a:rPr lang="zh-TW" altLang="en-US" dirty="0" smtClean="0"/>
+              <a:t>文件簽核系統 </a:t>
+            </a:r>
+            <a:r>
+              <a:rPr lang="en-US" altLang="zh-TW" dirty="0" smtClean="0"/>
+              <a:t>– </a:t>
+            </a:r>
+            <a:r>
+              <a:rPr lang="zh-TW" altLang="en-US" dirty="0" smtClean="0"/>
+              <a:t>是一結合</a:t>
+            </a:r>
+            <a:r>
+              <a:rPr lang="en-US" altLang="zh-TW" dirty="0" smtClean="0"/>
+              <a:t>JAVA</a:t>
+            </a:r>
+            <a:r>
+              <a:rPr lang="zh-TW" altLang="en-US" dirty="0" smtClean="0"/>
+              <a:t>、資料庫及網頁的應用系統，將文件透過網頁上傳至</a:t>
+            </a:r>
+            <a:r>
+              <a:rPr lang="en-US" altLang="zh-TW" dirty="0" smtClean="0"/>
+              <a:t>Server</a:t>
+            </a:r>
+            <a:r>
+              <a:rPr lang="zh-TW" altLang="en-US" dirty="0" smtClean="0"/>
+              <a:t>並寫入資料庫，之後主管階層人員登入後會自行從資料庫取出須簽核的資料來顯示，藉此來達到文件自動遞交的目的。</a:t>
+            </a:r>
+            <a:endParaRPr lang="zh-TW" altLang="en-US" dirty="0"/>
+          </a:p>
+        </p:txBody>
+      </p:sp>
+    </p:spTree>
+    <p:extLst>
+      <p:ext uri="{BB962C8B-B14F-4D97-AF65-F5344CB8AC3E}">
+        <p14:creationId xmlns:p14="http://schemas.microsoft.com/office/powerpoint/2010/main" val="941038531"/>
+      </p:ext>
+    </p:extLst>
+  </p:cSld>
+  <p:clrMapOvr>
+    <a:masterClrMapping/>
+  </p:clrMapOvr>
+</p:sld>
+</file>
+
+<file path=ppt/slides/slide3.xml><?xml version="1.0" encoding="utf-8"?>
+<p:sld xmlns:a="http://schemas.openxmlformats.org/drawingml/2006/main" xmlns:r="http://schemas.openxmlformats.org/officeDocument/2006/relationships" xmlns:p="http://schemas.openxmlformats.org/presentationml/2006/main">
+  <p:cSld>
+    <p:spTree>
+      <p:nvGrpSpPr>
+        <p:cNvPr id="1" name=""/>
+        <p:cNvGrpSpPr/>
+        <p:nvPr/>
+      </p:nvGrpSpPr>
+      <p:grpSpPr>
+        <a:xfrm>
+          <a:off x="0" y="0"/>
+          <a:ext cx="0" cy="0"/>
+          <a:chOff x="0" y="0"/>
+          <a:chExt cx="0" cy="0"/>
+        </a:xfrm>
+      </p:grpSpPr>
+      <p:sp>
+        <p:nvSpPr>
+          <p:cNvPr id="2" name="標題 1"/>
+          <p:cNvSpPr>
+            <a:spLocks noGrp="1"/>
+          </p:cNvSpPr>
+          <p:nvPr>
+            <p:ph type="title"/>
+          </p:nvPr>
+        </p:nvSpPr>
+        <p:spPr/>
+        <p:txBody>
           <a:bodyPr/>
           <a:lstStyle/>
           <a:p>
@@ -6041,14 +6981,20 @@
       </p:sp>
       <p:pic>
         <p:nvPicPr>
-          <p:cNvPr id="3074" name="Picture 2"/>
+          <p:cNvPr id="2050" name="Picture 2" descr="C:\java\GIT\bk\文件簽核系統(主管)-01.jpg"/>
           <p:cNvPicPr>
             <a:picLocks noChangeAspect="1" noChangeArrowheads="1"/>
           </p:cNvPicPr>
           <p:nvPr/>
         </p:nvPicPr>
         <p:blipFill>
-          <a:blip r:embed="rId2" cstate="print"/>
+          <a:blip r:embed="rId2">
+            <a:extLst>
+              <a:ext uri="{28A0092B-C50C-407E-A947-70E740481C1C}">
+                <a14:useLocalDpi xmlns:a14="http://schemas.microsoft.com/office/drawing/2010/main" val="0"/>
+              </a:ext>
+            </a:extLst>
+          </a:blip>
           <a:srcRect/>
           <a:stretch>
             <a:fillRect/>
@@ -6056,19 +7002,22 @@
         </p:blipFill>
         <p:spPr bwMode="auto">
           <a:xfrm>
-            <a:off x="1259632" y="2204864"/>
-            <a:ext cx="6408712" cy="3470083"/>
+            <a:off x="1187624" y="2204864"/>
+            <a:ext cx="6480720" cy="3866830"/>
           </a:xfrm>
           <a:prstGeom prst="rect">
             <a:avLst/>
           </a:prstGeom>
           <a:noFill/>
-          <a:ln w="9525">
-            <a:noFill/>
-            <a:miter lim="800000"/>
-            <a:headEnd/>
-            <a:tailEnd/>
-          </a:ln>
+          <a:extLst>
+            <a:ext uri="{909E8E84-426E-40DD-AFC4-6F175D3DCCD1}">
+              <a14:hiddenFill xmlns:a14="http://schemas.microsoft.com/office/drawing/2010/main">
+                <a:solidFill>
+                  <a:srgbClr val="FFFFFF"/>
+                </a:solidFill>
+              </a14:hiddenFill>
+            </a:ext>
+          </a:extLst>
         </p:spPr>
       </p:pic>
     </p:spTree>
@@ -6079,7 +7028,7 @@
 </p:sld>
 </file>
 
-<file path=ppt/slides/slide3.xml><?xml version="1.0" encoding="utf-8"?>
+<file path=ppt/slides/slide4.xml><?xml version="1.0" encoding="utf-8"?>
 <p:sld xmlns:a="http://schemas.openxmlformats.org/drawingml/2006/main" xmlns:r="http://schemas.openxmlformats.org/officeDocument/2006/relationships" xmlns:p="http://schemas.openxmlformats.org/presentationml/2006/main">
   <p:cSld>
     <p:spTree>
@@ -6136,88 +7085,8 @@
         </p:blipFill>
         <p:spPr bwMode="auto">
           <a:xfrm>
-            <a:off x="1547664" y="2564904"/>
-            <a:ext cx="6230392" cy="3024336"/>
-          </a:xfrm>
-          <a:prstGeom prst="rect">
-            <a:avLst/>
-          </a:prstGeom>
-          <a:noFill/>
-          <a:ln w="9525">
-            <a:noFill/>
-            <a:miter lim="800000"/>
-            <a:headEnd/>
-            <a:tailEnd/>
-          </a:ln>
-        </p:spPr>
-      </p:pic>
-    </p:spTree>
-  </p:cSld>
-  <p:clrMapOvr>
-    <a:masterClrMapping/>
-  </p:clrMapOvr>
-</p:sld>
-</file>
-
-<file path=ppt/slides/slide4.xml><?xml version="1.0" encoding="utf-8"?>
-<p:sld xmlns:a="http://schemas.openxmlformats.org/drawingml/2006/main" xmlns:r="http://schemas.openxmlformats.org/officeDocument/2006/relationships" xmlns:p="http://schemas.openxmlformats.org/presentationml/2006/main">
-  <p:cSld>
-    <p:spTree>
-      <p:nvGrpSpPr>
-        <p:cNvPr id="1" name=""/>
-        <p:cNvGrpSpPr/>
-        <p:nvPr/>
-      </p:nvGrpSpPr>
-      <p:grpSpPr>
-        <a:xfrm>
-          <a:off x="0" y="0"/>
-          <a:ext cx="0" cy="0"/>
-          <a:chOff x="0" y="0"/>
-          <a:chExt cx="0" cy="0"/>
-        </a:xfrm>
-      </p:grpSpPr>
-      <p:sp>
-        <p:nvSpPr>
-          <p:cNvPr id="2" name="標題 1"/>
-          <p:cNvSpPr>
-            <a:spLocks noGrp="1"/>
-          </p:cNvSpPr>
-          <p:nvPr>
-            <p:ph type="title"/>
-          </p:nvPr>
-        </p:nvSpPr>
-        <p:spPr/>
-        <p:txBody>
-          <a:bodyPr/>
-          <a:lstStyle/>
-          <a:p>
-            <a:r>
-              <a:rPr lang="zh-TW" altLang="en-US" dirty="0" smtClean="0"/>
-              <a:t>網站管理員操作功能</a:t>
-            </a:r>
-            <a:endParaRPr lang="zh-TW" altLang="en-US" dirty="0"/>
-          </a:p>
-        </p:txBody>
-      </p:sp>
-      <p:pic>
-        <p:nvPicPr>
-          <p:cNvPr id="2050" name="Picture 2"/>
-          <p:cNvPicPr>
-            <a:picLocks noChangeAspect="1" noChangeArrowheads="1"/>
-          </p:cNvPicPr>
-          <p:nvPr/>
-        </p:nvPicPr>
-        <p:blipFill>
-          <a:blip r:embed="rId2" cstate="print"/>
-          <a:srcRect/>
-          <a:stretch>
-            <a:fillRect/>
-          </a:stretch>
-        </p:blipFill>
-        <p:spPr bwMode="auto">
-          <a:xfrm>
-            <a:off x="1475656" y="2060848"/>
-            <a:ext cx="6336704" cy="3909881"/>
+            <a:off x="1102636" y="2348880"/>
+            <a:ext cx="6675420" cy="3240360"/>
           </a:xfrm>
           <a:prstGeom prst="rect">
             <a:avLst/>
@@ -6266,6 +7135,95 @@
             <p:ph type="title"/>
           </p:nvPr>
         </p:nvSpPr>
+        <p:spPr/>
+        <p:txBody>
+          <a:bodyPr/>
+          <a:lstStyle/>
+          <a:p>
+            <a:r>
+              <a:rPr lang="zh-TW" altLang="en-US" dirty="0" smtClean="0"/>
+              <a:t>網站管理員操作功能</a:t>
+            </a:r>
+            <a:endParaRPr lang="zh-TW" altLang="en-US" dirty="0"/>
+          </a:p>
+        </p:txBody>
+      </p:sp>
+      <p:pic>
+        <p:nvPicPr>
+          <p:cNvPr id="3074" name="Picture 2" descr="C:\java\GIT\bk\文件簽核系統(管理員)-01.jpg"/>
+          <p:cNvPicPr>
+            <a:picLocks noChangeAspect="1" noChangeArrowheads="1"/>
+          </p:cNvPicPr>
+          <p:nvPr/>
+        </p:nvPicPr>
+        <p:blipFill>
+          <a:blip r:embed="rId2">
+            <a:extLst>
+              <a:ext uri="{28A0092B-C50C-407E-A947-70E740481C1C}">
+                <a14:useLocalDpi xmlns:a14="http://schemas.microsoft.com/office/drawing/2010/main" val="0"/>
+              </a:ext>
+            </a:extLst>
+          </a:blip>
+          <a:srcRect/>
+          <a:stretch>
+            <a:fillRect/>
+          </a:stretch>
+        </p:blipFill>
+        <p:spPr bwMode="auto">
+          <a:xfrm>
+            <a:off x="1187624" y="2288903"/>
+            <a:ext cx="6696744" cy="3444353"/>
+          </a:xfrm>
+          <a:prstGeom prst="rect">
+            <a:avLst/>
+          </a:prstGeom>
+          <a:noFill/>
+          <a:extLst>
+            <a:ext uri="{909E8E84-426E-40DD-AFC4-6F175D3DCCD1}">
+              <a14:hiddenFill xmlns:a14="http://schemas.microsoft.com/office/drawing/2010/main">
+                <a:solidFill>
+                  <a:srgbClr val="FFFFFF"/>
+                </a:solidFill>
+              </a14:hiddenFill>
+            </a:ext>
+          </a:extLst>
+        </p:spPr>
+      </p:pic>
+    </p:spTree>
+  </p:cSld>
+  <p:clrMapOvr>
+    <a:masterClrMapping/>
+  </p:clrMapOvr>
+</p:sld>
+</file>
+
+<file path=ppt/slides/slide6.xml><?xml version="1.0" encoding="utf-8"?>
+<p:sld xmlns:a="http://schemas.openxmlformats.org/drawingml/2006/main" xmlns:r="http://schemas.openxmlformats.org/officeDocument/2006/relationships" xmlns:p="http://schemas.openxmlformats.org/presentationml/2006/main">
+  <p:cSld>
+    <p:spTree>
+      <p:nvGrpSpPr>
+        <p:cNvPr id="1" name=""/>
+        <p:cNvGrpSpPr/>
+        <p:nvPr/>
+      </p:nvGrpSpPr>
+      <p:grpSpPr>
+        <a:xfrm>
+          <a:off x="0" y="0"/>
+          <a:ext cx="0" cy="0"/>
+          <a:chOff x="0" y="0"/>
+          <a:chExt cx="0" cy="0"/>
+        </a:xfrm>
+      </p:grpSpPr>
+      <p:sp>
+        <p:nvSpPr>
+          <p:cNvPr id="2" name="標題 1"/>
+          <p:cNvSpPr>
+            <a:spLocks noGrp="1"/>
+          </p:cNvSpPr>
+          <p:nvPr>
+            <p:ph type="title"/>
+          </p:nvPr>
+        </p:nvSpPr>
         <p:spPr>
           <a:xfrm>
             <a:off x="395536" y="-306288"/>
@@ -6284,16 +7242,76 @@
           </a:p>
         </p:txBody>
       </p:sp>
+      <p:sp>
+        <p:nvSpPr>
+          <p:cNvPr id="27" name="向右箭號 26"/>
+          <p:cNvSpPr/>
+          <p:nvPr/>
+        </p:nvSpPr>
+        <p:spPr>
+          <a:xfrm rot="7373169">
+            <a:off x="4995006" y="2717028"/>
+            <a:ext cx="2059213" cy="155774"/>
+          </a:xfrm>
+          <a:prstGeom prst="rightArrow">
+            <a:avLst/>
+          </a:prstGeom>
+          <a:solidFill>
+            <a:schemeClr val="accent6">
+              <a:lumMod val="40000"/>
+              <a:lumOff val="60000"/>
+            </a:schemeClr>
+          </a:solidFill>
+          <a:ln>
+            <a:solidFill>
+              <a:schemeClr val="accent6">
+                <a:lumMod val="40000"/>
+                <a:lumOff val="60000"/>
+              </a:schemeClr>
+            </a:solidFill>
+          </a:ln>
+        </p:spPr>
+        <p:style>
+          <a:lnRef idx="2">
+            <a:schemeClr val="accent1">
+              <a:shade val="50000"/>
+            </a:schemeClr>
+          </a:lnRef>
+          <a:fillRef idx="1">
+            <a:schemeClr val="accent1"/>
+          </a:fillRef>
+          <a:effectRef idx="0">
+            <a:schemeClr val="accent1"/>
+          </a:effectRef>
+          <a:fontRef idx="minor">
+            <a:schemeClr val="lt1"/>
+          </a:fontRef>
+        </p:style>
+        <p:txBody>
+          <a:bodyPr rtlCol="0" anchor="ctr"/>
+          <a:lstStyle/>
+          <a:p>
+            <a:pPr algn="ctr"/>
+            <a:endParaRPr lang="zh-TW" altLang="en-US"/>
+          </a:p>
+        </p:txBody>
+      </p:sp>
       <p:graphicFrame>
         <p:nvGraphicFramePr>
-          <p:cNvPr id="4" name="表格 3"/>
+          <p:cNvPr id="28" name="表格 27"/>
           <p:cNvGraphicFramePr>
             <a:graphicFrameLocks noGrp="1"/>
           </p:cNvGraphicFramePr>
-          <p:nvPr/>
+          <p:nvPr>
+            <p:extLst>
+              <p:ext uri="{D42A27DB-BD31-4B8C-83A1-F6EECF244321}">
+                <p14:modId xmlns:p14="http://schemas.microsoft.com/office/powerpoint/2010/main" val="3695830938"/>
+              </p:ext>
+            </p:extLst>
+          </p:nvPr>
         </p:nvGraphicFramePr>
         <p:xfrm>
-          <a:off x="395536" y="970806"/>
+          <a:off x="539552" y="1186830"/>
           <a:ext cx="1638300" cy="1162050"/>
         </p:xfrm>
         <a:graphic>
@@ -6975,14 +7993,20 @@
       </p:graphicFrame>
       <p:graphicFrame>
         <p:nvGraphicFramePr>
-          <p:cNvPr id="5" name="表格 4"/>
+          <p:cNvPr id="29" name="表格 28"/>
           <p:cNvGraphicFramePr>
             <a:graphicFrameLocks noGrp="1"/>
           </p:cNvGraphicFramePr>
-          <p:nvPr/>
+          <p:nvPr>
+            <p:extLst>
+              <p:ext uri="{D42A27DB-BD31-4B8C-83A1-F6EECF244321}">
+                <p14:modId xmlns:p14="http://schemas.microsoft.com/office/powerpoint/2010/main" val="11121047"/>
+              </p:ext>
+            </p:extLst>
+          </p:nvPr>
         </p:nvGraphicFramePr>
         <p:xfrm>
-          <a:off x="395536" y="2410966"/>
+          <a:off x="539552" y="2626990"/>
           <a:ext cx="1638300" cy="1123950"/>
         </p:xfrm>
         <a:graphic>
@@ -7664,14 +8688,20 @@
       </p:graphicFrame>
       <p:graphicFrame>
         <p:nvGraphicFramePr>
-          <p:cNvPr id="6" name="表格 5"/>
+          <p:cNvPr id="30" name="表格 29"/>
           <p:cNvGraphicFramePr>
             <a:graphicFrameLocks noGrp="1"/>
           </p:cNvGraphicFramePr>
-          <p:nvPr/>
+          <p:nvPr>
+            <p:extLst>
+              <p:ext uri="{D42A27DB-BD31-4B8C-83A1-F6EECF244321}">
+                <p14:modId xmlns:p14="http://schemas.microsoft.com/office/powerpoint/2010/main" val="173471877"/>
+              </p:ext>
+            </p:extLst>
+          </p:nvPr>
         </p:nvGraphicFramePr>
         <p:xfrm>
-          <a:off x="395536" y="3707110"/>
+          <a:off x="539552" y="3923134"/>
           <a:ext cx="1638300" cy="2181225"/>
         </p:xfrm>
         <a:graphic>
@@ -8923,14 +9953,20 @@
       </p:graphicFrame>
       <p:graphicFrame>
         <p:nvGraphicFramePr>
-          <p:cNvPr id="7" name="表格 6"/>
+          <p:cNvPr id="31" name="表格 30"/>
           <p:cNvGraphicFramePr>
             <a:graphicFrameLocks noGrp="1"/>
           </p:cNvGraphicFramePr>
-          <p:nvPr/>
+          <p:nvPr>
+            <p:extLst>
+              <p:ext uri="{D42A27DB-BD31-4B8C-83A1-F6EECF244321}">
+                <p14:modId xmlns:p14="http://schemas.microsoft.com/office/powerpoint/2010/main" val="2800121054"/>
+              </p:ext>
+            </p:extLst>
+          </p:nvPr>
         </p:nvGraphicFramePr>
         <p:xfrm>
-          <a:off x="3530972" y="548680"/>
+          <a:off x="3674988" y="764704"/>
           <a:ext cx="1689100" cy="962025"/>
         </p:xfrm>
         <a:graphic>
@@ -9492,14 +10528,20 @@
       </p:graphicFrame>
       <p:graphicFrame>
         <p:nvGraphicFramePr>
-          <p:cNvPr id="8" name="表格 7"/>
+          <p:cNvPr id="32" name="表格 31"/>
           <p:cNvGraphicFramePr>
             <a:graphicFrameLocks noGrp="1"/>
           </p:cNvGraphicFramePr>
-          <p:nvPr/>
+          <p:nvPr>
+            <p:extLst>
+              <p:ext uri="{D42A27DB-BD31-4B8C-83A1-F6EECF244321}">
+                <p14:modId xmlns:p14="http://schemas.microsoft.com/office/powerpoint/2010/main" val="1407974416"/>
+              </p:ext>
+            </p:extLst>
+          </p:nvPr>
         </p:nvGraphicFramePr>
         <p:xfrm>
-          <a:off x="3530972" y="1844824"/>
+          <a:off x="3674988" y="2060848"/>
           <a:ext cx="1689100" cy="2895600"/>
         </p:xfrm>
         <a:graphic>
@@ -10923,7 +11965,7 @@
                     <a:p>
                       <a:pPr algn="l" fontAlgn="ctr"/>
                       <a:r>
-                        <a:rPr lang="en-US" sz="1000" b="0" i="0" u="none" strike="noStrike">
+                        <a:rPr lang="en-US" sz="1000" b="0" i="0" u="none" strike="noStrike" dirty="0" err="1">
                           <a:solidFill>
                             <a:srgbClr val="000000"/>
                           </a:solidFill>
@@ -10931,6 +11973,12 @@
                         </a:rPr>
                         <a:t>int</a:t>
                       </a:r>
+                      <a:endParaRPr lang="en-US" sz="1000" b="0" i="0" u="none" strike="noStrike" dirty="0">
+                        <a:solidFill>
+                          <a:srgbClr val="000000"/>
+                        </a:solidFill>
+                        <a:latin typeface="新細明體"/>
+                      </a:endParaRPr>
                     </a:p>
                   </a:txBody>
                   <a:tcPr marL="9525" marR="9525" marT="9525" marB="0" anchor="ctr">
@@ -11219,14 +12267,20 @@
       </p:graphicFrame>
       <p:graphicFrame>
         <p:nvGraphicFramePr>
-          <p:cNvPr id="9" name="表格 8"/>
+          <p:cNvPr id="33" name="表格 32"/>
           <p:cNvGraphicFramePr>
             <a:graphicFrameLocks noGrp="1"/>
           </p:cNvGraphicFramePr>
-          <p:nvPr/>
+          <p:nvPr>
+            <p:extLst>
+              <p:ext uri="{D42A27DB-BD31-4B8C-83A1-F6EECF244321}">
+                <p14:modId xmlns:p14="http://schemas.microsoft.com/office/powerpoint/2010/main" val="778229034"/>
+              </p:ext>
+            </p:extLst>
+          </p:nvPr>
         </p:nvGraphicFramePr>
         <p:xfrm>
-          <a:off x="2483768" y="5219278"/>
+          <a:off x="2483768" y="5435302"/>
           <a:ext cx="1689100" cy="1162050"/>
         </p:xfrm>
         <a:graphic>
@@ -11896,14 +12950,20 @@
       </p:graphicFrame>
       <p:graphicFrame>
         <p:nvGraphicFramePr>
-          <p:cNvPr id="10" name="表格 9"/>
+          <p:cNvPr id="34" name="表格 33"/>
           <p:cNvGraphicFramePr>
             <a:graphicFrameLocks noGrp="1"/>
           </p:cNvGraphicFramePr>
-          <p:nvPr/>
+          <p:nvPr>
+            <p:extLst>
+              <p:ext uri="{D42A27DB-BD31-4B8C-83A1-F6EECF244321}">
+                <p14:modId xmlns:p14="http://schemas.microsoft.com/office/powerpoint/2010/main" val="3215547891"/>
+              </p:ext>
+            </p:extLst>
+          </p:nvPr>
         </p:nvGraphicFramePr>
         <p:xfrm>
-          <a:off x="6678116" y="1186830"/>
+          <a:off x="6822132" y="1402854"/>
           <a:ext cx="1638300" cy="2838450"/>
         </p:xfrm>
         <a:graphic>
@@ -13623,14 +14683,20 @@
       </p:graphicFrame>
       <p:graphicFrame>
         <p:nvGraphicFramePr>
-          <p:cNvPr id="11" name="表格 10"/>
+          <p:cNvPr id="35" name="表格 34"/>
           <p:cNvGraphicFramePr>
             <a:graphicFrameLocks noGrp="1"/>
           </p:cNvGraphicFramePr>
-          <p:nvPr/>
+          <p:nvPr>
+            <p:extLst>
+              <p:ext uri="{D42A27DB-BD31-4B8C-83A1-F6EECF244321}">
+                <p14:modId xmlns:p14="http://schemas.microsoft.com/office/powerpoint/2010/main" val="43151892"/>
+              </p:ext>
+            </p:extLst>
+          </p:nvPr>
         </p:nvGraphicFramePr>
         <p:xfrm>
-          <a:off x="4716016" y="5219278"/>
+          <a:off x="4860032" y="5435302"/>
           <a:ext cx="1638300" cy="781050"/>
         </p:xfrm>
         <a:graphic>
@@ -14078,14 +15144,20 @@
       </p:graphicFrame>
       <p:graphicFrame>
         <p:nvGraphicFramePr>
-          <p:cNvPr id="12" name="表格 11"/>
+          <p:cNvPr id="36" name="表格 35"/>
           <p:cNvGraphicFramePr>
             <a:graphicFrameLocks noGrp="1"/>
           </p:cNvGraphicFramePr>
-          <p:nvPr/>
+          <p:nvPr>
+            <p:extLst>
+              <p:ext uri="{D42A27DB-BD31-4B8C-83A1-F6EECF244321}">
+                <p14:modId xmlns:p14="http://schemas.microsoft.com/office/powerpoint/2010/main" val="234975850"/>
+              </p:ext>
+            </p:extLst>
+          </p:nvPr>
         </p:nvGraphicFramePr>
         <p:xfrm>
-          <a:off x="6678116" y="4283174"/>
+          <a:off x="6822132" y="4499198"/>
           <a:ext cx="1638300" cy="800100"/>
         </p:xfrm>
         <a:graphic>
@@ -14533,13 +15605,13 @@
       </p:graphicFrame>
       <p:sp>
         <p:nvSpPr>
-          <p:cNvPr id="13" name="矩形 12"/>
+          <p:cNvPr id="37" name="矩形 36"/>
           <p:cNvSpPr/>
           <p:nvPr/>
         </p:nvSpPr>
         <p:spPr>
           <a:xfrm>
-            <a:off x="3419872" y="1340768"/>
+            <a:off x="3563888" y="1556792"/>
             <a:ext cx="1872208" cy="216024"/>
           </a:xfrm>
           <a:prstGeom prst="rect">
@@ -14579,13 +15651,13 @@
       </p:sp>
       <p:sp>
         <p:nvSpPr>
-          <p:cNvPr id="14" name="矩形 13"/>
+          <p:cNvPr id="38" name="矩形 37"/>
           <p:cNvSpPr/>
           <p:nvPr/>
         </p:nvSpPr>
         <p:spPr>
           <a:xfrm>
-            <a:off x="6516216" y="1556792"/>
+            <a:off x="6660232" y="1772816"/>
             <a:ext cx="1872208" cy="216024"/>
           </a:xfrm>
           <a:prstGeom prst="rect">
@@ -14625,13 +15697,13 @@
       </p:sp>
       <p:sp>
         <p:nvSpPr>
-          <p:cNvPr id="15" name="矩形 14"/>
+          <p:cNvPr id="39" name="矩形 38"/>
           <p:cNvSpPr/>
           <p:nvPr/>
         </p:nvSpPr>
         <p:spPr>
           <a:xfrm>
-            <a:off x="251520" y="5085184"/>
+            <a:off x="395536" y="5301208"/>
             <a:ext cx="1872208" cy="216024"/>
           </a:xfrm>
           <a:prstGeom prst="rect">
@@ -14671,13 +15743,13 @@
       </p:sp>
       <p:sp>
         <p:nvSpPr>
-          <p:cNvPr id="16" name="矩形 15"/>
+          <p:cNvPr id="40" name="矩形 39"/>
           <p:cNvSpPr/>
           <p:nvPr/>
         </p:nvSpPr>
         <p:spPr>
           <a:xfrm>
-            <a:off x="3419872" y="908720"/>
+            <a:off x="3563888" y="1124744"/>
             <a:ext cx="1872208" cy="216024"/>
           </a:xfrm>
           <a:prstGeom prst="rect">
@@ -14717,13 +15789,13 @@
       </p:sp>
       <p:sp>
         <p:nvSpPr>
-          <p:cNvPr id="17" name="矩形 16"/>
+          <p:cNvPr id="41" name="矩形 40"/>
           <p:cNvSpPr/>
           <p:nvPr/>
         </p:nvSpPr>
         <p:spPr>
           <a:xfrm>
-            <a:off x="6516216" y="3861048"/>
+            <a:off x="6660232" y="4077072"/>
             <a:ext cx="1872208" cy="216024"/>
           </a:xfrm>
           <a:prstGeom prst="rect">
@@ -14763,13 +15835,13 @@
       </p:sp>
       <p:sp>
         <p:nvSpPr>
-          <p:cNvPr id="18" name="矩形 17"/>
+          <p:cNvPr id="42" name="矩形 41"/>
           <p:cNvSpPr/>
           <p:nvPr/>
         </p:nvSpPr>
         <p:spPr>
           <a:xfrm>
-            <a:off x="251520" y="1916832"/>
+            <a:off x="395536" y="2132856"/>
             <a:ext cx="1872208" cy="216024"/>
           </a:xfrm>
           <a:prstGeom prst="rect">
@@ -14809,13 +15881,13 @@
       </p:sp>
       <p:sp>
         <p:nvSpPr>
-          <p:cNvPr id="19" name="矩形 18"/>
+          <p:cNvPr id="43" name="矩形 42"/>
           <p:cNvSpPr/>
           <p:nvPr/>
         </p:nvSpPr>
         <p:spPr>
           <a:xfrm>
-            <a:off x="3419872" y="3356992"/>
+            <a:off x="3563888" y="3573016"/>
             <a:ext cx="1872208" cy="216024"/>
           </a:xfrm>
           <a:prstGeom prst="rect">
@@ -14855,13 +15927,13 @@
       </p:sp>
       <p:sp>
         <p:nvSpPr>
-          <p:cNvPr id="20" name="矩形 19"/>
+          <p:cNvPr id="44" name="矩形 43"/>
           <p:cNvSpPr/>
           <p:nvPr/>
         </p:nvSpPr>
         <p:spPr>
           <a:xfrm>
-            <a:off x="6516216" y="2852936"/>
+            <a:off x="6660232" y="3068960"/>
             <a:ext cx="1872208" cy="216024"/>
           </a:xfrm>
           <a:prstGeom prst="rect">
@@ -14904,13 +15976,13 @@
       </p:sp>
       <p:sp>
         <p:nvSpPr>
-          <p:cNvPr id="21" name="矩形 20"/>
+          <p:cNvPr id="45" name="矩形 44"/>
           <p:cNvSpPr/>
           <p:nvPr/>
         </p:nvSpPr>
         <p:spPr>
           <a:xfrm>
-            <a:off x="6516216" y="4653136"/>
+            <a:off x="6660232" y="4869160"/>
             <a:ext cx="1872208" cy="216024"/>
           </a:xfrm>
           <a:prstGeom prst="rect">
@@ -14953,13 +16025,13 @@
       </p:sp>
       <p:sp>
         <p:nvSpPr>
-          <p:cNvPr id="22" name="矩形 21"/>
+          <p:cNvPr id="46" name="矩形 45"/>
           <p:cNvSpPr/>
           <p:nvPr/>
         </p:nvSpPr>
         <p:spPr>
           <a:xfrm>
-            <a:off x="4572000" y="5589240"/>
+            <a:off x="4716016" y="5805264"/>
             <a:ext cx="1872208" cy="216024"/>
           </a:xfrm>
           <a:prstGeom prst="rect">
@@ -15001,13 +16073,13 @@
       </p:sp>
       <p:sp>
         <p:nvSpPr>
-          <p:cNvPr id="23" name="矩形 22"/>
+          <p:cNvPr id="47" name="矩形 46"/>
           <p:cNvSpPr/>
           <p:nvPr/>
         </p:nvSpPr>
         <p:spPr>
           <a:xfrm>
-            <a:off x="3419872" y="3789040"/>
+            <a:off x="3563888" y="4005064"/>
             <a:ext cx="1872208" cy="216024"/>
           </a:xfrm>
           <a:prstGeom prst="rect">
@@ -15049,13 +16121,13 @@
       </p:sp>
       <p:sp>
         <p:nvSpPr>
-          <p:cNvPr id="24" name="矩形 23"/>
+          <p:cNvPr id="48" name="矩形 47"/>
           <p:cNvSpPr/>
           <p:nvPr/>
         </p:nvSpPr>
         <p:spPr>
           <a:xfrm>
-            <a:off x="2339752" y="5805264"/>
+            <a:off x="2339752" y="6021288"/>
             <a:ext cx="1872208" cy="216024"/>
           </a:xfrm>
           <a:prstGeom prst="rect">
@@ -15097,13 +16169,13 @@
       </p:sp>
       <p:sp>
         <p:nvSpPr>
-          <p:cNvPr id="25" name="矩形 24"/>
+          <p:cNvPr id="49" name="矩形 48"/>
           <p:cNvSpPr/>
           <p:nvPr/>
         </p:nvSpPr>
         <p:spPr>
           <a:xfrm>
-            <a:off x="3419872" y="2204864"/>
+            <a:off x="3563888" y="2420888"/>
             <a:ext cx="1872208" cy="216024"/>
           </a:xfrm>
           <a:prstGeom prst="rect">
@@ -15145,13 +16217,13 @@
       </p:sp>
       <p:sp>
         <p:nvSpPr>
-          <p:cNvPr id="26" name="矩形 25"/>
+          <p:cNvPr id="50" name="矩形 49"/>
           <p:cNvSpPr/>
           <p:nvPr/>
         </p:nvSpPr>
         <p:spPr>
           <a:xfrm>
-            <a:off x="251520" y="4293096"/>
+            <a:off x="366614" y="4509869"/>
             <a:ext cx="1872208" cy="216024"/>
           </a:xfrm>
           <a:prstGeom prst="rect">
@@ -15191,6 +16263,297 @@
           </a:p>
         </p:txBody>
       </p:sp>
+      <p:sp>
+        <p:nvSpPr>
+          <p:cNvPr id="51" name="向右箭號 50"/>
+          <p:cNvSpPr/>
+          <p:nvPr/>
+        </p:nvSpPr>
+        <p:spPr>
+          <a:xfrm rot="7373169">
+            <a:off x="1808312" y="3400079"/>
+            <a:ext cx="2179686" cy="176192"/>
+          </a:xfrm>
+          <a:prstGeom prst="rightArrow">
+            <a:avLst/>
+          </a:prstGeom>
+          <a:solidFill>
+            <a:schemeClr val="accent6">
+              <a:lumMod val="50000"/>
+            </a:schemeClr>
+          </a:solidFill>
+          <a:ln>
+            <a:noFill/>
+          </a:ln>
+        </p:spPr>
+        <p:style>
+          <a:lnRef idx="2">
+            <a:schemeClr val="accent1">
+              <a:shade val="50000"/>
+            </a:schemeClr>
+          </a:lnRef>
+          <a:fillRef idx="1">
+            <a:schemeClr val="accent1"/>
+          </a:fillRef>
+          <a:effectRef idx="0">
+            <a:schemeClr val="accent1"/>
+          </a:effectRef>
+          <a:fontRef idx="minor">
+            <a:schemeClr val="lt1"/>
+          </a:fontRef>
+        </p:style>
+        <p:txBody>
+          <a:bodyPr rtlCol="0" anchor="ctr"/>
+          <a:lstStyle/>
+          <a:p>
+            <a:pPr algn="ctr"/>
+            <a:endParaRPr lang="zh-TW" altLang="en-US"/>
+          </a:p>
+        </p:txBody>
+      </p:sp>
+      <p:sp>
+        <p:nvSpPr>
+          <p:cNvPr id="52" name="向右箭號 51"/>
+          <p:cNvSpPr/>
+          <p:nvPr/>
+        </p:nvSpPr>
+        <p:spPr>
+          <a:xfrm rot="7373169">
+            <a:off x="1814915" y="4429681"/>
+            <a:ext cx="2066362" cy="155774"/>
+          </a:xfrm>
+          <a:prstGeom prst="rightArrow">
+            <a:avLst/>
+          </a:prstGeom>
+          <a:solidFill>
+            <a:schemeClr val="accent6">
+              <a:lumMod val="40000"/>
+              <a:lumOff val="60000"/>
+            </a:schemeClr>
+          </a:solidFill>
+          <a:ln>
+            <a:solidFill>
+              <a:schemeClr val="accent6">
+                <a:lumMod val="40000"/>
+                <a:lumOff val="60000"/>
+              </a:schemeClr>
+            </a:solidFill>
+          </a:ln>
+        </p:spPr>
+        <p:style>
+          <a:lnRef idx="2">
+            <a:schemeClr val="accent1">
+              <a:shade val="50000"/>
+            </a:schemeClr>
+          </a:lnRef>
+          <a:fillRef idx="1">
+            <a:schemeClr val="accent1"/>
+          </a:fillRef>
+          <a:effectRef idx="0">
+            <a:schemeClr val="accent1"/>
+          </a:effectRef>
+          <a:fontRef idx="minor">
+            <a:schemeClr val="lt1"/>
+          </a:fontRef>
+        </p:style>
+        <p:txBody>
+          <a:bodyPr rtlCol="0" anchor="ctr"/>
+          <a:lstStyle/>
+          <a:p>
+            <a:pPr algn="ctr"/>
+            <a:endParaRPr lang="zh-TW" altLang="en-US"/>
+          </a:p>
+        </p:txBody>
+      </p:sp>
+      <p:sp>
+        <p:nvSpPr>
+          <p:cNvPr id="53" name="向右箭號 52"/>
+          <p:cNvSpPr/>
+          <p:nvPr/>
+        </p:nvSpPr>
+        <p:spPr>
+          <a:xfrm rot="8584627">
+            <a:off x="2141672" y="1617021"/>
+            <a:ext cx="1417496" cy="180550"/>
+          </a:xfrm>
+          <a:prstGeom prst="rightArrow">
+            <a:avLst/>
+          </a:prstGeom>
+          <a:solidFill>
+            <a:srgbClr val="C00000"/>
+          </a:solidFill>
+          <a:ln>
+            <a:noFill/>
+          </a:ln>
+        </p:spPr>
+        <p:style>
+          <a:lnRef idx="2">
+            <a:schemeClr val="accent1">
+              <a:shade val="50000"/>
+            </a:schemeClr>
+          </a:lnRef>
+          <a:fillRef idx="1">
+            <a:schemeClr val="accent1"/>
+          </a:fillRef>
+          <a:effectRef idx="0">
+            <a:schemeClr val="accent1"/>
+          </a:effectRef>
+          <a:fontRef idx="minor">
+            <a:schemeClr val="lt1"/>
+          </a:fontRef>
+        </p:style>
+        <p:txBody>
+          <a:bodyPr rtlCol="0" anchor="ctr"/>
+          <a:lstStyle/>
+          <a:p>
+            <a:pPr algn="ctr"/>
+            <a:endParaRPr lang="zh-TW" altLang="en-US"/>
+          </a:p>
+        </p:txBody>
+      </p:sp>
+      <p:sp>
+        <p:nvSpPr>
+          <p:cNvPr id="54" name="向右箭號 53"/>
+          <p:cNvSpPr/>
+          <p:nvPr/>
+        </p:nvSpPr>
+        <p:spPr>
+          <a:xfrm rot="3921830">
+            <a:off x="4597399" y="2609470"/>
+            <a:ext cx="2893331" cy="169260"/>
+          </a:xfrm>
+          <a:prstGeom prst="rightArrow">
+            <a:avLst/>
+          </a:prstGeom>
+          <a:solidFill>
+            <a:srgbClr val="C00000"/>
+          </a:solidFill>
+          <a:ln>
+            <a:noFill/>
+          </a:ln>
+        </p:spPr>
+        <p:style>
+          <a:lnRef idx="2">
+            <a:schemeClr val="accent1">
+              <a:shade val="50000"/>
+            </a:schemeClr>
+          </a:lnRef>
+          <a:fillRef idx="1">
+            <a:schemeClr val="accent1"/>
+          </a:fillRef>
+          <a:effectRef idx="0">
+            <a:schemeClr val="accent1"/>
+          </a:effectRef>
+          <a:fontRef idx="minor">
+            <a:schemeClr val="lt1"/>
+          </a:fontRef>
+        </p:style>
+        <p:txBody>
+          <a:bodyPr rtlCol="0" anchor="ctr"/>
+          <a:lstStyle/>
+          <a:p>
+            <a:pPr algn="ctr"/>
+            <a:endParaRPr lang="zh-TW" altLang="en-US"/>
+          </a:p>
+        </p:txBody>
+      </p:sp>
+      <p:sp>
+        <p:nvSpPr>
+          <p:cNvPr id="55" name="向右箭號 54"/>
+          <p:cNvSpPr/>
+          <p:nvPr/>
+        </p:nvSpPr>
+        <p:spPr>
+          <a:xfrm rot="4849336">
+            <a:off x="3892164" y="4898068"/>
+            <a:ext cx="1632161" cy="158206"/>
+          </a:xfrm>
+          <a:prstGeom prst="rightArrow">
+            <a:avLst/>
+          </a:prstGeom>
+          <a:solidFill>
+            <a:schemeClr val="accent4">
+              <a:lumMod val="75000"/>
+              <a:alpha val="42000"/>
+            </a:schemeClr>
+          </a:solidFill>
+          <a:ln>
+            <a:noFill/>
+          </a:ln>
+        </p:spPr>
+        <p:style>
+          <a:lnRef idx="2">
+            <a:schemeClr val="accent1">
+              <a:shade val="50000"/>
+            </a:schemeClr>
+          </a:lnRef>
+          <a:fillRef idx="1">
+            <a:schemeClr val="accent1"/>
+          </a:fillRef>
+          <a:effectRef idx="0">
+            <a:schemeClr val="accent1"/>
+          </a:effectRef>
+          <a:fontRef idx="minor">
+            <a:schemeClr val="lt1"/>
+          </a:fontRef>
+        </p:style>
+        <p:txBody>
+          <a:bodyPr rtlCol="0" anchor="ctr"/>
+          <a:lstStyle/>
+          <a:p>
+            <a:pPr algn="ctr"/>
+            <a:endParaRPr lang="zh-TW" altLang="en-US"/>
+          </a:p>
+        </p:txBody>
+      </p:sp>
+      <p:sp>
+        <p:nvSpPr>
+          <p:cNvPr id="56" name="向右箭號 55"/>
+          <p:cNvSpPr/>
+          <p:nvPr/>
+        </p:nvSpPr>
+        <p:spPr>
+          <a:xfrm rot="6623594">
+            <a:off x="1263356" y="4244912"/>
+            <a:ext cx="3549665" cy="170648"/>
+          </a:xfrm>
+          <a:prstGeom prst="rightArrow">
+            <a:avLst/>
+          </a:prstGeom>
+          <a:solidFill>
+            <a:schemeClr val="accent6">
+              <a:lumMod val="50000"/>
+            </a:schemeClr>
+          </a:solidFill>
+          <a:ln>
+            <a:noFill/>
+          </a:ln>
+        </p:spPr>
+        <p:style>
+          <a:lnRef idx="2">
+            <a:schemeClr val="accent1">
+              <a:shade val="50000"/>
+            </a:schemeClr>
+          </a:lnRef>
+          <a:fillRef idx="1">
+            <a:schemeClr val="accent1"/>
+          </a:fillRef>
+          <a:effectRef idx="0">
+            <a:schemeClr val="accent1"/>
+          </a:effectRef>
+          <a:fontRef idx="minor">
+            <a:schemeClr val="lt1"/>
+          </a:fontRef>
+        </p:style>
+        <p:txBody>
+          <a:bodyPr rtlCol="0" anchor="ctr"/>
+          <a:lstStyle/>
+          <a:p>
+            <a:pPr algn="ctr"/>
+            <a:endParaRPr lang="zh-TW" altLang="en-US"/>
+          </a:p>
+        </p:txBody>
+      </p:sp>
     </p:spTree>
   </p:cSld>
   <p:clrMapOvr>
@@ -15199,7 +16562,7 @@
 </p:sld>
 </file>
 
-<file path=ppt/slides/slide6.xml><?xml version="1.0" encoding="utf-8"?>
+<file path=ppt/slides/slide7.xml><?xml version="1.0" encoding="utf-8"?>
 <p:sld xmlns:a="http://schemas.openxmlformats.org/drawingml/2006/main" xmlns:r="http://schemas.openxmlformats.org/officeDocument/2006/relationships" xmlns:p="http://schemas.openxmlformats.org/presentationml/2006/main">
   <p:cSld>
     <p:spTree>
@@ -15228,7 +16591,7 @@
           <a:blip r:embed="rId2" cstate="print">
             <a:extLst>
               <a:ext uri="{28A0092B-C50C-407E-A947-70E740481C1C}">
-                <a14:useLocalDpi xmlns="" xmlns:a14="http://schemas.microsoft.com/office/drawing/2010/main" val="0"/>
+                <a14:useLocalDpi xmlns:a14="http://schemas.microsoft.com/office/drawing/2010/main" val="0"/>
               </a:ext>
             </a:extLst>
           </a:blip>
@@ -15251,14 +16614,14 @@
           </a:ln>
           <a:extLst>
             <a:ext uri="{909E8E84-426E-40DD-AFC4-6F175D3DCCD1}">
-              <a14:hiddenFill xmlns="" xmlns:a14="http://schemas.microsoft.com/office/drawing/2010/main">
+              <a14:hiddenFill xmlns:a14="http://schemas.microsoft.com/office/drawing/2010/main">
                 <a:solidFill>
                   <a:schemeClr val="accent1"/>
                 </a:solidFill>
               </a14:hiddenFill>
             </a:ext>
             <a:ext uri="{91240B29-F687-4F45-9708-019B960494DF}">
-              <a14:hiddenLine xmlns="" xmlns:a14="http://schemas.microsoft.com/office/drawing/2010/main" w="9525">
+              <a14:hiddenLine xmlns:a14="http://schemas.microsoft.com/office/drawing/2010/main" w="9525">
                 <a:solidFill>
                   <a:schemeClr val="tx1"/>
                 </a:solidFill>
@@ -15328,7 +16691,7 @@
     </p:spTree>
     <p:extLst>
       <p:ext uri="{BB962C8B-B14F-4D97-AF65-F5344CB8AC3E}">
-        <p14:creationId xmlns="" xmlns:p14="http://schemas.microsoft.com/office/powerpoint/2010/main" val="394133858"/>
+        <p14:creationId xmlns:p14="http://schemas.microsoft.com/office/powerpoint/2010/main" val="394133858"/>
       </p:ext>
     </p:extLst>
   </p:cSld>
@@ -15338,7 +16701,7 @@
 </p:sld>
 </file>
 
-<file path=ppt/slides/slide7.xml><?xml version="1.0" encoding="utf-8"?>
+<file path=ppt/slides/slide8.xml><?xml version="1.0" encoding="utf-8"?>
 <p:sld xmlns:a="http://schemas.openxmlformats.org/drawingml/2006/main" xmlns:r="http://schemas.openxmlformats.org/officeDocument/2006/relationships" xmlns:p="http://schemas.openxmlformats.org/presentationml/2006/main">
   <p:cSld>
     <p:spTree>
@@ -15367,7 +16730,7 @@
           <a:blip r:embed="rId2" cstate="print">
             <a:extLst>
               <a:ext uri="{28A0092B-C50C-407E-A947-70E740481C1C}">
-                <a14:useLocalDpi xmlns="" xmlns:a14="http://schemas.microsoft.com/office/drawing/2010/main" val="0"/>
+                <a14:useLocalDpi xmlns:a14="http://schemas.microsoft.com/office/drawing/2010/main" val="0"/>
               </a:ext>
             </a:extLst>
           </a:blip>
@@ -15390,14 +16753,14 @@
           </a:ln>
           <a:extLst>
             <a:ext uri="{909E8E84-426E-40DD-AFC4-6F175D3DCCD1}">
-              <a14:hiddenFill xmlns="" xmlns:a14="http://schemas.microsoft.com/office/drawing/2010/main">
+              <a14:hiddenFill xmlns:a14="http://schemas.microsoft.com/office/drawing/2010/main">
                 <a:solidFill>
                   <a:schemeClr val="accent1"/>
                 </a:solidFill>
               </a14:hiddenFill>
             </a:ext>
             <a:ext uri="{91240B29-F687-4F45-9708-019B960494DF}">
-              <a14:hiddenLine xmlns="" xmlns:a14="http://schemas.microsoft.com/office/drawing/2010/main" w="9525">
+              <a14:hiddenLine xmlns:a14="http://schemas.microsoft.com/office/drawing/2010/main" w="9525">
                 <a:solidFill>
                   <a:schemeClr val="tx1"/>
                 </a:solidFill>
@@ -15719,7 +17082,7 @@
     </p:spTree>
     <p:extLst>
       <p:ext uri="{BB962C8B-B14F-4D97-AF65-F5344CB8AC3E}">
-        <p14:creationId xmlns="" xmlns:p14="http://schemas.microsoft.com/office/powerpoint/2010/main" val="2931118365"/>
+        <p14:creationId xmlns:p14="http://schemas.microsoft.com/office/powerpoint/2010/main" val="2931118365"/>
       </p:ext>
     </p:extLst>
   </p:cSld>
@@ -15729,7 +17092,7 @@
 </p:sld>
 </file>
 
-<file path=ppt/slides/slide8.xml><?xml version="1.0" encoding="utf-8"?>
+<file path=ppt/slides/slide9.xml><?xml version="1.0" encoding="utf-8"?>
 <p:sld xmlns:a="http://schemas.openxmlformats.org/drawingml/2006/main" xmlns:r="http://schemas.openxmlformats.org/officeDocument/2006/relationships" xmlns:p="http://schemas.openxmlformats.org/presentationml/2006/main">
   <p:cSld>
     <p:spTree>
@@ -15788,7 +17151,7 @@
           <a:blip r:embed="rId2" cstate="print">
             <a:extLst>
               <a:ext uri="{28A0092B-C50C-407E-A947-70E740481C1C}">
-                <a14:useLocalDpi xmlns="" xmlns:a14="http://schemas.microsoft.com/office/drawing/2010/main" val="0"/>
+                <a14:useLocalDpi xmlns:a14="http://schemas.microsoft.com/office/drawing/2010/main" val="0"/>
               </a:ext>
             </a:extLst>
           </a:blip>
@@ -15811,14 +17174,14 @@
           </a:ln>
           <a:extLst>
             <a:ext uri="{909E8E84-426E-40DD-AFC4-6F175D3DCCD1}">
-              <a14:hiddenFill xmlns="" xmlns:a14="http://schemas.microsoft.com/office/drawing/2010/main">
+              <a14:hiddenFill xmlns:a14="http://schemas.microsoft.com/office/drawing/2010/main">
                 <a:solidFill>
                   <a:schemeClr val="accent1"/>
                 </a:solidFill>
               </a14:hiddenFill>
             </a:ext>
             <a:ext uri="{91240B29-F687-4F45-9708-019B960494DF}">
-              <a14:hiddenLine xmlns="" xmlns:a14="http://schemas.microsoft.com/office/drawing/2010/main" w="9525">
+              <a14:hiddenLine xmlns:a14="http://schemas.microsoft.com/office/drawing/2010/main" w="9525">
                 <a:solidFill>
                   <a:schemeClr val="tx1"/>
                 </a:solidFill>
@@ -16071,265 +17434,7 @@
     </p:spTree>
     <p:extLst>
       <p:ext uri="{BB962C8B-B14F-4D97-AF65-F5344CB8AC3E}">
-        <p14:creationId xmlns="" xmlns:p14="http://schemas.microsoft.com/office/powerpoint/2010/main" val="1302434021"/>
-      </p:ext>
-    </p:extLst>
-  </p:cSld>
-  <p:clrMapOvr>
-    <a:masterClrMapping/>
-  </p:clrMapOvr>
-</p:sld>
-</file>
-
-<file path=ppt/slides/slide9.xml><?xml version="1.0" encoding="utf-8"?>
-<p:sld xmlns:a="http://schemas.openxmlformats.org/drawingml/2006/main" xmlns:r="http://schemas.openxmlformats.org/officeDocument/2006/relationships" xmlns:p="http://schemas.openxmlformats.org/presentationml/2006/main">
-  <p:cSld>
-    <p:spTree>
-      <p:nvGrpSpPr>
-        <p:cNvPr id="1" name=""/>
-        <p:cNvGrpSpPr/>
-        <p:nvPr/>
-      </p:nvGrpSpPr>
-      <p:grpSpPr>
-        <a:xfrm>
-          <a:off x="0" y="0"/>
-          <a:ext cx="0" cy="0"/>
-          <a:chOff x="0" y="0"/>
-          <a:chExt cx="0" cy="0"/>
-        </a:xfrm>
-      </p:grpSpPr>
-      <p:pic>
-        <p:nvPicPr>
-          <p:cNvPr id="4" name="Picture 3"/>
-          <p:cNvPicPr>
-            <a:picLocks noChangeAspect="1" noChangeArrowheads="1"/>
-          </p:cNvPicPr>
-          <p:nvPr/>
-        </p:nvPicPr>
-        <p:blipFill>
-          <a:blip r:embed="rId2" cstate="print">
-            <a:extLst>
-              <a:ext uri="{28A0092B-C50C-407E-A947-70E740481C1C}">
-                <a14:useLocalDpi xmlns="" xmlns:a14="http://schemas.microsoft.com/office/drawing/2010/main" val="0"/>
-              </a:ext>
-            </a:extLst>
-          </a:blip>
-          <a:srcRect/>
-          <a:stretch>
-            <a:fillRect/>
-          </a:stretch>
-        </p:blipFill>
-        <p:spPr bwMode="auto">
-          <a:xfrm>
-            <a:off x="161460" y="836712"/>
-            <a:ext cx="8810625" cy="5114925"/>
-          </a:xfrm>
-          <a:prstGeom prst="rect">
-            <a:avLst/>
-          </a:prstGeom>
-          <a:noFill/>
-          <a:ln>
-            <a:noFill/>
-          </a:ln>
-          <a:extLst>
-            <a:ext uri="{909E8E84-426E-40DD-AFC4-6F175D3DCCD1}">
-              <a14:hiddenFill xmlns="" xmlns:a14="http://schemas.microsoft.com/office/drawing/2010/main">
-                <a:solidFill>
-                  <a:schemeClr val="accent1"/>
-                </a:solidFill>
-              </a14:hiddenFill>
-            </a:ext>
-            <a:ext uri="{91240B29-F687-4F45-9708-019B960494DF}">
-              <a14:hiddenLine xmlns="" xmlns:a14="http://schemas.microsoft.com/office/drawing/2010/main" w="9525">
-                <a:solidFill>
-                  <a:schemeClr val="tx1"/>
-                </a:solidFill>
-                <a:miter lim="800000"/>
-                <a:headEnd/>
-                <a:tailEnd/>
-              </a14:hiddenLine>
-            </a:ext>
-          </a:extLst>
-        </p:spPr>
-      </p:pic>
-      <p:sp>
-        <p:nvSpPr>
-          <p:cNvPr id="5" name="圓角矩形圖說文字 4"/>
-          <p:cNvSpPr/>
-          <p:nvPr/>
-        </p:nvSpPr>
-        <p:spPr>
-          <a:xfrm>
-            <a:off x="6062840" y="2348880"/>
-            <a:ext cx="1677512" cy="648072"/>
-          </a:xfrm>
-          <a:prstGeom prst="wedgeRoundRectCallout">
-            <a:avLst>
-              <a:gd name="adj1" fmla="val -84676"/>
-              <a:gd name="adj2" fmla="val 38431"/>
-              <a:gd name="adj3" fmla="val 16667"/>
-            </a:avLst>
-          </a:prstGeom>
-          <a:solidFill>
-            <a:schemeClr val="tx2">
-              <a:lumMod val="20000"/>
-              <a:lumOff val="80000"/>
-            </a:schemeClr>
-          </a:solidFill>
-          <a:ln w="9525"/>
-        </p:spPr>
-        <p:style>
-          <a:lnRef idx="2">
-            <a:schemeClr val="accent1">
-              <a:shade val="50000"/>
-            </a:schemeClr>
-          </a:lnRef>
-          <a:fillRef idx="1">
-            <a:schemeClr val="accent1"/>
-          </a:fillRef>
-          <a:effectRef idx="0">
-            <a:schemeClr val="accent1"/>
-          </a:effectRef>
-          <a:fontRef idx="minor">
-            <a:schemeClr val="lt1"/>
-          </a:fontRef>
-        </p:style>
-        <p:txBody>
-          <a:bodyPr rtlCol="0" anchor="ctr"/>
-          <a:lstStyle/>
-          <a:p>
-            <a:r>
-              <a:rPr lang="zh-TW" altLang="en-US" sz="1400" b="1" dirty="0" smtClean="0">
-                <a:solidFill>
-                  <a:schemeClr val="tx1"/>
-                </a:solidFill>
-                <a:ea typeface="細明體" panose="02020509000000000000" pitchFamily="49" charset="-120"/>
-              </a:rPr>
-              <a:t>點選清單可查看該文件簽核狀況</a:t>
-            </a:r>
-            <a:endParaRPr lang="zh-TW" altLang="en-US" sz="1400" b="1" dirty="0">
-              <a:solidFill>
-                <a:schemeClr val="tx1"/>
-              </a:solidFill>
-              <a:ea typeface="細明體" panose="02020509000000000000" pitchFamily="49" charset="-120"/>
-            </a:endParaRPr>
-          </a:p>
-        </p:txBody>
-      </p:sp>
-      <p:sp>
-        <p:nvSpPr>
-          <p:cNvPr id="6" name="圓角矩形圖說文字 5"/>
-          <p:cNvSpPr/>
-          <p:nvPr/>
-        </p:nvSpPr>
-        <p:spPr>
-          <a:xfrm>
-            <a:off x="2123728" y="3625225"/>
-            <a:ext cx="1440160" cy="667871"/>
-          </a:xfrm>
-          <a:prstGeom prst="wedgeRoundRectCallout">
-            <a:avLst>
-              <a:gd name="adj1" fmla="val -21992"/>
-              <a:gd name="adj2" fmla="val -82953"/>
-              <a:gd name="adj3" fmla="val 16667"/>
-            </a:avLst>
-          </a:prstGeom>
-          <a:solidFill>
-            <a:schemeClr val="tx2">
-              <a:lumMod val="20000"/>
-              <a:lumOff val="80000"/>
-            </a:schemeClr>
-          </a:solidFill>
-          <a:ln w="9525"/>
-        </p:spPr>
-        <p:style>
-          <a:lnRef idx="2">
-            <a:schemeClr val="accent1">
-              <a:shade val="50000"/>
-            </a:schemeClr>
-          </a:lnRef>
-          <a:fillRef idx="1">
-            <a:schemeClr val="accent1"/>
-          </a:fillRef>
-          <a:effectRef idx="0">
-            <a:schemeClr val="accent1"/>
-          </a:effectRef>
-          <a:fontRef idx="minor">
-            <a:schemeClr val="lt1"/>
-          </a:fontRef>
-        </p:style>
-        <p:txBody>
-          <a:bodyPr rtlCol="0" anchor="ctr"/>
-          <a:lstStyle/>
-          <a:p>
-            <a:r>
-              <a:rPr lang="zh-TW" altLang="en-US" sz="1400" b="1" dirty="0" smtClean="0">
-                <a:solidFill>
-                  <a:schemeClr val="tx1"/>
-                </a:solidFill>
-                <a:ea typeface="細明體" panose="02020509000000000000" pitchFamily="49" charset="-120"/>
-              </a:rPr>
-              <a:t>可刪除已完成簽核的文件</a:t>
-            </a:r>
-            <a:endParaRPr lang="zh-TW" altLang="en-US" sz="1400" b="1" dirty="0">
-              <a:solidFill>
-                <a:schemeClr val="tx1"/>
-              </a:solidFill>
-              <a:ea typeface="細明體" panose="02020509000000000000" pitchFamily="49" charset="-120"/>
-            </a:endParaRPr>
-          </a:p>
-        </p:txBody>
-      </p:sp>
-      <p:sp>
-        <p:nvSpPr>
-          <p:cNvPr id="7" name="文字方塊 6"/>
-          <p:cNvSpPr txBox="1"/>
-          <p:nvPr/>
-        </p:nvSpPr>
-        <p:spPr>
-          <a:xfrm>
-            <a:off x="190423" y="260648"/>
-            <a:ext cx="8136904" cy="369332"/>
-          </a:xfrm>
-          <a:prstGeom prst="rect">
-            <a:avLst/>
-          </a:prstGeom>
-          <a:noFill/>
-        </p:spPr>
-        <p:txBody>
-          <a:bodyPr wrap="square" rtlCol="0">
-            <a:spAutoFit/>
-          </a:bodyPr>
-          <a:lstStyle/>
-          <a:p>
-            <a:r>
-              <a:rPr lang="zh-TW" altLang="en-US" dirty="0" smtClean="0">
-                <a:ea typeface="細明體" panose="02020509000000000000" pitchFamily="49" charset="-120"/>
-              </a:rPr>
-              <a:t>進度查詢：文件進度</a:t>
-            </a:r>
-            <a:r>
-              <a:rPr lang="zh-TW" altLang="en-US" dirty="0">
-                <a:ea typeface="細明體" panose="02020509000000000000" pitchFamily="49" charset="-120"/>
-              </a:rPr>
-              <a:t>進度及</a:t>
-            </a:r>
-            <a:r>
-              <a:rPr lang="zh-TW" altLang="en-US" dirty="0" smtClean="0">
-                <a:ea typeface="細明體" panose="02020509000000000000" pitchFamily="49" charset="-120"/>
-              </a:rPr>
-              <a:t>狀況顏色管理可以清楚整個簽核明細</a:t>
-            </a:r>
-            <a:endParaRPr lang="zh-TW" altLang="en-US" dirty="0">
-              <a:ea typeface="細明體" panose="02020509000000000000" pitchFamily="49" charset="-120"/>
-            </a:endParaRPr>
-          </a:p>
-        </p:txBody>
-      </p:sp>
-    </p:spTree>
-    <p:extLst>
-      <p:ext uri="{BB962C8B-B14F-4D97-AF65-F5344CB8AC3E}">
-        <p14:creationId xmlns="" xmlns:p14="http://schemas.microsoft.com/office/powerpoint/2010/main" val="1279195505"/>
+        <p14:creationId xmlns:p14="http://schemas.microsoft.com/office/powerpoint/2010/main" val="1302434021"/>
       </p:ext>
     </p:extLst>
   </p:cSld>

--- a/Report/小組簡報整合版.pptx
+++ b/Report/小組簡報整合版.pptx
@@ -6981,20 +6981,14 @@
       </p:sp>
       <p:pic>
         <p:nvPicPr>
-          <p:cNvPr id="2050" name="Picture 2" descr="C:\java\GIT\bk\文件簽核系統(主管)-01.jpg"/>
+          <p:cNvPr id="4" name="Picture 2"/>
           <p:cNvPicPr>
             <a:picLocks noChangeAspect="1" noChangeArrowheads="1"/>
           </p:cNvPicPr>
           <p:nvPr/>
         </p:nvPicPr>
         <p:blipFill>
-          <a:blip r:embed="rId2">
-            <a:extLst>
-              <a:ext uri="{28A0092B-C50C-407E-A947-70E740481C1C}">
-                <a14:useLocalDpi xmlns:a14="http://schemas.microsoft.com/office/drawing/2010/main" val="0"/>
-              </a:ext>
-            </a:extLst>
-          </a:blip>
+          <a:blip r:embed="rId2" cstate="print"/>
           <a:srcRect/>
           <a:stretch>
             <a:fillRect/>
@@ -7002,22 +6996,19 @@
         </p:blipFill>
         <p:spPr bwMode="auto">
           <a:xfrm>
-            <a:off x="1187624" y="2204864"/>
-            <a:ext cx="6480720" cy="3866830"/>
+            <a:off x="1137672" y="2132856"/>
+            <a:ext cx="6674688" cy="3614099"/>
           </a:xfrm>
           <a:prstGeom prst="rect">
             <a:avLst/>
           </a:prstGeom>
           <a:noFill/>
-          <a:extLst>
-            <a:ext uri="{909E8E84-426E-40DD-AFC4-6F175D3DCCD1}">
-              <a14:hiddenFill xmlns:a14="http://schemas.microsoft.com/office/drawing/2010/main">
-                <a:solidFill>
-                  <a:srgbClr val="FFFFFF"/>
-                </a:solidFill>
-              </a14:hiddenFill>
-            </a:ext>
-          </a:extLst>
+          <a:ln w="9525">
+            <a:noFill/>
+            <a:miter lim="800000"/>
+            <a:headEnd/>
+            <a:tailEnd/>
+          </a:ln>
         </p:spPr>
       </p:pic>
     </p:spTree>
@@ -7070,14 +7061,20 @@
       </p:sp>
       <p:pic>
         <p:nvPicPr>
-          <p:cNvPr id="1026" name="Picture 2"/>
+          <p:cNvPr id="4" name="Picture 2" descr="C:\java\GIT\bk\文件簽核系統(主管)-01.jpg"/>
           <p:cNvPicPr>
             <a:picLocks noChangeAspect="1" noChangeArrowheads="1"/>
           </p:cNvPicPr>
           <p:nvPr/>
         </p:nvPicPr>
         <p:blipFill>
-          <a:blip r:embed="rId2" cstate="print"/>
+          <a:blip r:embed="rId2">
+            <a:extLst>
+              <a:ext uri="{28A0092B-C50C-407E-A947-70E740481C1C}">
+                <a14:useLocalDpi xmlns:a14="http://schemas.microsoft.com/office/drawing/2010/main" val="0"/>
+              </a:ext>
+            </a:extLst>
+          </a:blip>
           <a:srcRect/>
           <a:stretch>
             <a:fillRect/>
@@ -7085,19 +7082,22 @@
         </p:blipFill>
         <p:spPr bwMode="auto">
           <a:xfrm>
-            <a:off x="1102636" y="2348880"/>
-            <a:ext cx="6675420" cy="3240360"/>
+            <a:off x="1187624" y="2204864"/>
+            <a:ext cx="6480720" cy="3866830"/>
           </a:xfrm>
           <a:prstGeom prst="rect">
             <a:avLst/>
           </a:prstGeom>
           <a:noFill/>
-          <a:ln w="9525">
-            <a:noFill/>
-            <a:miter lim="800000"/>
-            <a:headEnd/>
-            <a:tailEnd/>
-          </a:ln>
+          <a:extLst>
+            <a:ext uri="{909E8E84-426E-40DD-AFC4-6F175D3DCCD1}">
+              <a14:hiddenFill xmlns:a14="http://schemas.microsoft.com/office/drawing/2010/main">
+                <a:solidFill>
+                  <a:srgbClr val="FFFFFF"/>
+                </a:solidFill>
+              </a14:hiddenFill>
+            </a:ext>
+          </a:extLst>
         </p:spPr>
       </p:pic>
     </p:spTree>

--- a/Report/小組簡報整合版.pptx
+++ b/Report/小組簡報整合版.pptx
@@ -4446,6 +4446,13 @@
   <p:clrMapOvr>
     <a:masterClrMapping/>
   </p:clrMapOvr>
+  <p:timing>
+    <p:tnLst>
+      <p:par>
+        <p:cTn id="1" dur="indefinite" restart="never" nodeType="tmRoot"/>
+      </p:par>
+    </p:tnLst>
+  </p:timing>
 </p:sld>
 </file>
 
@@ -4671,24 +4678,36 @@
           <a:lstStyle/>
           <a:p>
             <a:r>
-              <a:rPr lang="zh-TW" altLang="en-US" dirty="0" smtClean="0">
+              <a:rPr lang="zh-TW" altLang="en-US" b="1" dirty="0" smtClean="0">
                 <a:ea typeface="細明體" panose="02020509000000000000" pitchFamily="49" charset="-120"/>
               </a:rPr>
-              <a:t>進度查詢：文件進度</a:t>
+              <a:t>進度查詢：文件</a:t>
             </a:r>
             <a:r>
-              <a:rPr lang="zh-TW" altLang="en-US" dirty="0">
+              <a:rPr lang="zh-TW" altLang="en-US" b="1" dirty="0" smtClean="0">
                 <a:ea typeface="細明體" panose="02020509000000000000" pitchFamily="49" charset="-120"/>
               </a:rPr>
               <a:t>進度及</a:t>
             </a:r>
             <a:r>
-              <a:rPr lang="zh-TW" altLang="en-US" dirty="0" smtClean="0">
+              <a:rPr lang="zh-TW" altLang="en-US" b="1" dirty="0" smtClean="0">
                 <a:ea typeface="細明體" panose="02020509000000000000" pitchFamily="49" charset="-120"/>
               </a:rPr>
-              <a:t>狀況顏色管理可以清楚整個簽核明細</a:t>
+              <a:t>狀況顏色</a:t>
             </a:r>
-            <a:endParaRPr lang="zh-TW" altLang="en-US" dirty="0">
+            <a:r>
+              <a:rPr lang="zh-TW" altLang="en-US" b="1" dirty="0" smtClean="0">
+                <a:ea typeface="細明體" panose="02020509000000000000" pitchFamily="49" charset="-120"/>
+              </a:rPr>
+              <a:t>管理，可以清楚查看整個</a:t>
+            </a:r>
+            <a:r>
+              <a:rPr lang="zh-TW" altLang="en-US" b="1" dirty="0" smtClean="0">
+                <a:ea typeface="細明體" panose="02020509000000000000" pitchFamily="49" charset="-120"/>
+              </a:rPr>
+              <a:t>簽核明細</a:t>
+            </a:r>
+            <a:endParaRPr lang="zh-TW" altLang="en-US" b="1" dirty="0">
               <a:ea typeface="細明體" panose="02020509000000000000" pitchFamily="49" charset="-120"/>
             </a:endParaRPr>
           </a:p>
@@ -4704,6 +4723,13 @@
   <p:clrMapOvr>
     <a:masterClrMapping/>
   </p:clrMapOvr>
+  <p:timing>
+    <p:tnLst>
+      <p:par>
+        <p:cTn id="1" dur="indefinite" restart="never" nodeType="tmRoot"/>
+      </p:par>
+    </p:tnLst>
+  </p:timing>
 </p:sld>
 </file>
 
@@ -4892,6 +4918,42 @@
           </a:p>
         </p:txBody>
       </p:sp>
+      <p:sp>
+        <p:nvSpPr>
+          <p:cNvPr id="7" name="文字方塊 6"/>
+          <p:cNvSpPr txBox="1"/>
+          <p:nvPr/>
+        </p:nvSpPr>
+        <p:spPr>
+          <a:xfrm>
+            <a:off x="107504" y="476115"/>
+            <a:ext cx="8932490" cy="369332"/>
+          </a:xfrm>
+          <a:prstGeom prst="rect">
+            <a:avLst/>
+          </a:prstGeom>
+          <a:solidFill>
+            <a:schemeClr val="bg1"/>
+          </a:solidFill>
+        </p:spPr>
+        <p:txBody>
+          <a:bodyPr wrap="square" rtlCol="0">
+            <a:spAutoFit/>
+          </a:bodyPr>
+          <a:lstStyle/>
+          <a:p>
+            <a:r>
+              <a:rPr lang="zh-TW" altLang="en-US" b="1" dirty="0" smtClean="0">
+                <a:ea typeface="細明體" panose="02020509000000000000" pitchFamily="49" charset="-120"/>
+              </a:rPr>
+              <a:t>草稿夾</a:t>
+            </a:r>
+            <a:endParaRPr lang="zh-TW" altLang="en-US" b="1" dirty="0">
+              <a:ea typeface="細明體" panose="02020509000000000000" pitchFamily="49" charset="-120"/>
+            </a:endParaRPr>
+          </a:p>
+        </p:txBody>
+      </p:sp>
     </p:spTree>
     <p:extLst>
       <p:ext uri="{BB962C8B-B14F-4D97-AF65-F5344CB8AC3E}">
@@ -4902,6 +4964,13 @@
   <p:clrMapOvr>
     <a:masterClrMapping/>
   </p:clrMapOvr>
+  <p:timing>
+    <p:tnLst>
+      <p:par>
+        <p:cTn id="1" dur="indefinite" restart="never" nodeType="tmRoot"/>
+      </p:par>
+    </p:tnLst>
+  </p:timing>
 </p:sld>
 </file>
 
@@ -5078,6 +5147,13 @@
   <p:clrMapOvr>
     <a:masterClrMapping/>
   </p:clrMapOvr>
+  <p:timing>
+    <p:tnLst>
+      <p:par>
+        <p:cTn id="1" dur="indefinite" restart="never" nodeType="tmRoot"/>
+      </p:par>
+    </p:tnLst>
+  </p:timing>
 </p:sld>
 </file>
 
@@ -5225,18 +5301,18 @@
           <a:lstStyle/>
           <a:p>
             <a:r>
-              <a:rPr lang="zh-TW" altLang="en-US" dirty="0">
+              <a:rPr lang="zh-TW" altLang="en-US" b="1" dirty="0">
                 <a:ea typeface="細明體" panose="02020509000000000000" pitchFamily="49" charset="-120"/>
               </a:rPr>
               <a:t>主管</a:t>
             </a:r>
             <a:r>
-              <a:rPr lang="zh-TW" altLang="en-US" dirty="0" smtClean="0">
+              <a:rPr lang="zh-TW" altLang="en-US" b="1" dirty="0" smtClean="0">
                 <a:ea typeface="細明體" panose="02020509000000000000" pitchFamily="49" charset="-120"/>
               </a:rPr>
               <a:t>登入系統會顯示該主管所有待簽文件清單，選取文件後進入簽核明細</a:t>
             </a:r>
-            <a:endParaRPr lang="zh-TW" altLang="en-US" dirty="0">
+            <a:endParaRPr lang="zh-TW" altLang="en-US" b="1" dirty="0">
               <a:ea typeface="細明體" panose="02020509000000000000" pitchFamily="49" charset="-120"/>
             </a:endParaRPr>
           </a:p>
@@ -5317,6 +5393,13 @@
   <p:clrMapOvr>
     <a:masterClrMapping/>
   </p:clrMapOvr>
+  <p:timing>
+    <p:tnLst>
+      <p:par>
+        <p:cTn id="1" dur="indefinite" restart="never" nodeType="tmRoot"/>
+      </p:par>
+    </p:tnLst>
+  </p:timing>
 </p:sld>
 </file>
 
@@ -5428,7 +5511,7 @@
             <a:lstStyle/>
             <a:p>
               <a:r>
-                <a:rPr lang="zh-TW" altLang="en-US" dirty="0" smtClean="0">
+                <a:rPr lang="zh-TW" altLang="en-US" b="1" dirty="0" smtClean="0">
                   <a:solidFill>
                     <a:prstClr val="black"/>
                   </a:solidFill>
@@ -5961,6 +6044,13 @@
   <p:clrMapOvr>
     <a:masterClrMapping/>
   </p:clrMapOvr>
+  <p:timing>
+    <p:tnLst>
+      <p:par>
+        <p:cTn id="1" dur="indefinite" restart="never" nodeType="tmRoot"/>
+      </p:par>
+    </p:tnLst>
+  </p:timing>
 </p:sld>
 </file>
 
@@ -6191,6 +6281,54 @@
           </a:p>
         </p:txBody>
       </p:sp>
+      <p:sp>
+        <p:nvSpPr>
+          <p:cNvPr id="7" name="文字方塊 6"/>
+          <p:cNvSpPr txBox="1"/>
+          <p:nvPr/>
+        </p:nvSpPr>
+        <p:spPr>
+          <a:xfrm>
+            <a:off x="107504" y="476115"/>
+            <a:ext cx="8986474" cy="369332"/>
+          </a:xfrm>
+          <a:prstGeom prst="rect">
+            <a:avLst/>
+          </a:prstGeom>
+          <a:solidFill>
+            <a:schemeClr val="bg1"/>
+          </a:solidFill>
+        </p:spPr>
+        <p:txBody>
+          <a:bodyPr wrap="square" rtlCol="0">
+            <a:spAutoFit/>
+          </a:bodyPr>
+          <a:lstStyle/>
+          <a:p>
+            <a:r>
+              <a:rPr lang="zh-TW" altLang="en-US" b="1" dirty="0" smtClean="0">
+                <a:ea typeface="細明體" panose="02020509000000000000" pitchFamily="49" charset="-120"/>
+              </a:rPr>
+              <a:t>主管</a:t>
+            </a:r>
+            <a:r>
+              <a:rPr lang="zh-TW" altLang="en-US" b="1" dirty="0">
+                <a:ea typeface="細明體" panose="02020509000000000000" pitchFamily="49" charset="-120"/>
+              </a:rPr>
+              <a:t>人員</a:t>
+            </a:r>
+            <a:r>
+              <a:rPr lang="zh-TW" altLang="en-US" b="1" dirty="0" smtClean="0">
+                <a:ea typeface="細明體" panose="02020509000000000000" pitchFamily="49" charset="-120"/>
+              </a:rPr>
+              <a:t>設定</a:t>
+            </a:r>
+            <a:endParaRPr lang="zh-TW" altLang="en-US" b="1" dirty="0">
+              <a:ea typeface="細明體" panose="02020509000000000000" pitchFamily="49" charset="-120"/>
+            </a:endParaRPr>
+          </a:p>
+        </p:txBody>
+      </p:sp>
     </p:spTree>
     <p:extLst>
       <p:ext uri="{BB962C8B-B14F-4D97-AF65-F5344CB8AC3E}">
@@ -6201,6 +6339,13 @@
   <p:clrMapOvr>
     <a:masterClrMapping/>
   </p:clrMapOvr>
+  <p:timing>
+    <p:tnLst>
+      <p:par>
+        <p:cTn id="1" dur="indefinite" restart="never" nodeType="tmRoot"/>
+      </p:par>
+    </p:tnLst>
+  </p:timing>
 </p:sld>
 </file>
 
@@ -6768,6 +6913,13 @@
   <p:clrMapOvr>
     <a:masterClrMapping/>
   </p:clrMapOvr>
+  <p:timing>
+    <p:tnLst>
+      <p:par>
+        <p:cTn id="1" dur="indefinite" restart="never" nodeType="tmRoot"/>
+      </p:par>
+    </p:tnLst>
+  </p:timing>
 </p:sld>
 </file>
 
@@ -6834,6 +6986,13 @@
   <p:clrMapOvr>
     <a:masterClrMapping/>
   </p:clrMapOvr>
+  <p:timing>
+    <p:tnLst>
+      <p:par>
+        <p:cTn id="1" dur="indefinite" restart="never" nodeType="tmRoot"/>
+      </p:par>
+    </p:tnLst>
+  </p:timing>
 </p:sld>
 </file>
 
@@ -6936,6 +7095,13 @@
   <p:clrMapOvr>
     <a:masterClrMapping/>
   </p:clrMapOvr>
+  <p:timing>
+    <p:tnLst>
+      <p:par>
+        <p:cTn id="1" dur="indefinite" restart="never" nodeType="tmRoot"/>
+      </p:par>
+    </p:tnLst>
+  </p:timing>
 </p:sld>
 </file>
 
@@ -7016,6 +7182,13 @@
   <p:clrMapOvr>
     <a:masterClrMapping/>
   </p:clrMapOvr>
+  <p:timing>
+    <p:tnLst>
+      <p:par>
+        <p:cTn id="1" dur="indefinite" restart="never" nodeType="tmRoot"/>
+      </p:par>
+    </p:tnLst>
+  </p:timing>
 </p:sld>
 </file>
 
@@ -7105,6 +7278,13 @@
   <p:clrMapOvr>
     <a:masterClrMapping/>
   </p:clrMapOvr>
+  <p:timing>
+    <p:tnLst>
+      <p:par>
+        <p:cTn id="1" dur="indefinite" restart="never" nodeType="tmRoot"/>
+      </p:par>
+    </p:tnLst>
+  </p:timing>
 </p:sld>
 </file>
 
@@ -7194,6 +7374,13 @@
   <p:clrMapOvr>
     <a:masterClrMapping/>
   </p:clrMapOvr>
+  <p:timing>
+    <p:tnLst>
+      <p:par>
+        <p:cTn id="1" dur="indefinite" restart="never" nodeType="tmRoot"/>
+      </p:par>
+    </p:tnLst>
+  </p:timing>
 </p:sld>
 </file>
 
@@ -16559,6 +16746,13 @@
   <p:clrMapOvr>
     <a:masterClrMapping/>
   </p:clrMapOvr>
+  <p:timing>
+    <p:tnLst>
+      <p:par>
+        <p:cTn id="1" dur="indefinite" restart="never" nodeType="tmRoot"/>
+      </p:par>
+    </p:tnLst>
+  </p:timing>
 </p:sld>
 </file>
 
@@ -16698,6 +16892,13 @@
   <p:clrMapOvr>
     <a:masterClrMapping/>
   </p:clrMapOvr>
+  <p:timing>
+    <p:tnLst>
+      <p:par>
+        <p:cTn id="1" dur="indefinite" restart="never" nodeType="tmRoot"/>
+      </p:par>
+    </p:tnLst>
+  </p:timing>
 </p:sld>
 </file>
 
@@ -17089,6 +17290,13 @@
   <p:clrMapOvr>
     <a:masterClrMapping/>
   </p:clrMapOvr>
+  <p:timing>
+    <p:tnLst>
+      <p:par>
+        <p:cTn id="1" dur="indefinite" restart="never" nodeType="tmRoot"/>
+      </p:par>
+    </p:tnLst>
+  </p:timing>
 </p:sld>
 </file>
 
@@ -17441,6 +17649,13 @@
   <p:clrMapOvr>
     <a:masterClrMapping/>
   </p:clrMapOvr>
+  <p:timing>
+    <p:tnLst>
+      <p:par>
+        <p:cTn id="1" dur="indefinite" restart="never" nodeType="tmRoot"/>
+      </p:par>
+    </p:tnLst>
+  </p:timing>
 </p:sld>
 </file>
 
